--- a/My_own/Презентация.pptx
+++ b/My_own/Презентация.pptx
@@ -8,12 +8,12 @@
     <p:sldId id="256" r:id="rId2"/>
     <p:sldId id="257" r:id="rId3"/>
     <p:sldId id="258" r:id="rId4"/>
-    <p:sldId id="259" r:id="rId5"/>
-    <p:sldId id="263" r:id="rId6"/>
-    <p:sldId id="264" r:id="rId7"/>
-    <p:sldId id="260" r:id="rId8"/>
-    <p:sldId id="261" r:id="rId9"/>
-    <p:sldId id="262" r:id="rId10"/>
+    <p:sldId id="263" r:id="rId5"/>
+    <p:sldId id="264" r:id="rId6"/>
+    <p:sldId id="260" r:id="rId7"/>
+    <p:sldId id="261" r:id="rId8"/>
+    <p:sldId id="262" r:id="rId9"/>
+    <p:sldId id="267" r:id="rId10"/>
     <p:sldId id="265" r:id="rId11"/>
     <p:sldId id="266" r:id="rId12"/>
   </p:sldIdLst>
@@ -366,7 +366,7 @@
           <a:p>
             <a:fld id="{9184DA70-C731-4C70-880D-CCD4705E623C}" type="datetime1">
               <a:rPr lang="en-US" smtClean="0"/>
-              <a:t>5/24/2022</a:t>
+              <a:t>5/25/2022</a:t>
             </a:fld>
             <a:endParaRPr lang="en-US" dirty="0"/>
           </a:p>
@@ -554,7 +554,7 @@
           <a:p>
             <a:fld id="{B612A279-0833-481D-8C56-F67FD0AC6C50}" type="datetime1">
               <a:rPr lang="en-US" smtClean="0"/>
-              <a:t>5/24/2022</a:t>
+              <a:t>5/25/2022</a:t>
             </a:fld>
             <a:endParaRPr lang="en-US" dirty="0"/>
           </a:p>
@@ -796,7 +796,7 @@
           <a:p>
             <a:fld id="{6587DA83-5663-4C9C-B9AA-0B40A3DAFF81}" type="datetime1">
               <a:rPr lang="en-US" smtClean="0"/>
-              <a:t>5/24/2022</a:t>
+              <a:t>5/25/2022</a:t>
             </a:fld>
             <a:endParaRPr lang="en-US" dirty="0"/>
           </a:p>
@@ -984,7 +984,7 @@
           <a:p>
             <a:fld id="{4BE1D723-8F53-4F53-90B0-1982A396982E}" type="datetime1">
               <a:rPr lang="en-US" smtClean="0"/>
-              <a:t>5/24/2022</a:t>
+              <a:t>5/25/2022</a:t>
             </a:fld>
             <a:endParaRPr lang="en-US" dirty="0"/>
           </a:p>
@@ -1357,7 +1357,7 @@
           <a:p>
             <a:fld id="{97669AF7-7BEB-44E4-9852-375E34362B5B}" type="datetime1">
               <a:rPr lang="en-US" smtClean="0"/>
-              <a:t>5/24/2022</a:t>
+              <a:t>5/25/2022</a:t>
             </a:fld>
             <a:endParaRPr lang="en-US" dirty="0"/>
           </a:p>
@@ -1612,7 +1612,7 @@
           <a:p>
             <a:fld id="{BAAAC38D-0552-4C82-B593-E6124DFADBE2}" type="datetime1">
               <a:rPr lang="en-US" smtClean="0"/>
-              <a:t>5/24/2022</a:t>
+              <a:t>5/25/2022</a:t>
             </a:fld>
             <a:endParaRPr lang="en-US" dirty="0"/>
           </a:p>
@@ -2009,7 +2009,7 @@
           <a:p>
             <a:fld id="{D9DF0F1C-5577-4ACB-BB62-DF8F3C494C7E}" type="datetime1">
               <a:rPr lang="en-US" smtClean="0"/>
-              <a:t>5/24/2022</a:t>
+              <a:t>5/25/2022</a:t>
             </a:fld>
             <a:endParaRPr lang="en-US" dirty="0"/>
           </a:p>
@@ -2145,7 +2145,7 @@
           <a:p>
             <a:fld id="{1775B394-D9F9-4F0C-B15D-605F45CB9E9F}" type="datetime1">
               <a:rPr lang="en-US" smtClean="0"/>
-              <a:t>5/24/2022</a:t>
+              <a:t>5/25/2022</a:t>
             </a:fld>
             <a:endParaRPr lang="en-US" dirty="0"/>
           </a:p>
@@ -2302,7 +2302,7 @@
           <a:p>
             <a:fld id="{39667345-2558-425A-8533-9BFDBCE15005}" type="datetime1">
               <a:rPr lang="en-US" smtClean="0"/>
-              <a:t>5/24/2022</a:t>
+              <a:t>5/25/2022</a:t>
             </a:fld>
             <a:endParaRPr lang="en-US" dirty="0"/>
           </a:p>
@@ -2631,7 +2631,7 @@
           <a:p>
             <a:fld id="{92BEA474-078D-4E9B-9B14-09A87B19DC46}" type="datetime1">
               <a:rPr lang="en-US" smtClean="0"/>
-              <a:t>5/24/2022</a:t>
+              <a:t>5/25/2022</a:t>
             </a:fld>
             <a:endParaRPr lang="en-US" dirty="0"/>
           </a:p>
@@ -2981,7 +2981,7 @@
           <a:p>
             <a:fld id="{4907D986-8816-4272-A432-0437A28A9828}" type="datetime1">
               <a:rPr lang="en-US" smtClean="0"/>
-              <a:t>5/24/2022</a:t>
+              <a:t>5/25/2022</a:t>
             </a:fld>
             <a:endParaRPr lang="en-US" dirty="0"/>
           </a:p>
@@ -3242,7 +3242,7 @@
           <a:p>
             <a:fld id="{62D6E202-B606-4609-B914-27C9371A1F6D}" type="datetime1">
               <a:rPr lang="en-US" smtClean="0"/>
-              <a:t>5/24/2022</a:t>
+              <a:t>5/25/2022</a:t>
             </a:fld>
             <a:endParaRPr lang="en-US" dirty="0"/>
           </a:p>
@@ -4763,24 +4763,16 @@
           <a:p>
             <a:pPr algn="ctr"/>
             <a:r>
-              <a:rPr lang="ru-RU" dirty="0">
-                <a:solidFill>
-                  <a:schemeClr val="tx1"/>
-                </a:solidFill>
-              </a:rPr>
-              <a:t>Задачи и </a:t>
-            </a:r>
-            <a:r>
-              <a:rPr lang="ru-RU" dirty="0">
+              <a:rPr lang="ru-RU" sz="4000" dirty="0">
                 <a:solidFill>
                   <a:schemeClr val="tx1"/>
                 </a:solidFill>
                 <a:latin typeface="Arial" panose="020B0604020202020204" pitchFamily="34" charset="0"/>
                 <a:cs typeface="Arial" panose="020B0604020202020204" pitchFamily="34" charset="0"/>
               </a:rPr>
-              <a:t>цели</a:t>
-            </a:r>
-            <a:endParaRPr lang="en-BY" dirty="0">
+              <a:t>Задачи и цели</a:t>
+            </a:r>
+            <a:endParaRPr lang="en-BY" sz="4000" dirty="0">
               <a:solidFill>
                 <a:schemeClr val="tx1"/>
               </a:solidFill>
@@ -4843,129 +4835,6 @@
           </a:fontRef>
         </p:style>
       </p:cxnSp>
-      <p:sp>
-        <p:nvSpPr>
-          <p:cNvPr id="3" name="Content Placeholder 2">
-            <a:extLst>
-              <a:ext uri="{FF2B5EF4-FFF2-40B4-BE49-F238E27FC236}">
-                <a16:creationId xmlns:a16="http://schemas.microsoft.com/office/drawing/2014/main" id="{27DFC048-9594-0C20-417B-54966263DEE4}"/>
-              </a:ext>
-            </a:extLst>
-          </p:cNvPr>
-          <p:cNvSpPr>
-            <a:spLocks noGrp="1"/>
-          </p:cNvSpPr>
-          <p:nvPr>
-            <p:ph idx="1"/>
-          </p:nvPr>
-        </p:nvSpPr>
-        <p:spPr>
-          <a:xfrm>
-            <a:off x="4363786" y="621697"/>
-            <a:ext cx="6791894" cy="5147973"/>
-          </a:xfrm>
-        </p:spPr>
-        <p:txBody>
-          <a:bodyPr anchor="ctr">
-            <a:normAutofit/>
-          </a:bodyPr>
-          <a:lstStyle/>
-          <a:p>
-            <a:pPr>
-              <a:buFont typeface="Wingdings" pitchFamily="2" charset="2"/>
-              <a:buChar char="§"/>
-            </a:pPr>
-            <a:r>
-              <a:rPr lang="ru-RU" sz="2000" dirty="0">
-                <a:solidFill>
-                  <a:schemeClr val="tx1"/>
-                </a:solidFill>
-                <a:latin typeface="Arial" panose="020B0604020202020204" pitchFamily="34" charset="0"/>
-                <a:cs typeface="Arial" panose="020B0604020202020204" pitchFamily="34" charset="0"/>
-              </a:rPr>
-              <a:t>Создание игрового искусственного интеллекта (ИИ) развлекательного типа</a:t>
-            </a:r>
-            <a:endParaRPr lang="en-US" sz="2000" dirty="0">
-              <a:solidFill>
-                <a:schemeClr val="tx1"/>
-              </a:solidFill>
-              <a:latin typeface="Arial" panose="020B0604020202020204" pitchFamily="34" charset="0"/>
-              <a:cs typeface="Arial" panose="020B0604020202020204" pitchFamily="34" charset="0"/>
-            </a:endParaRPr>
-          </a:p>
-          <a:p>
-            <a:pPr>
-              <a:buFont typeface="Wingdings" pitchFamily="2" charset="2"/>
-              <a:buChar char="§"/>
-            </a:pPr>
-            <a:r>
-              <a:rPr lang="ru-RU" sz="2000" dirty="0">
-                <a:solidFill>
-                  <a:schemeClr val="tx1"/>
-                </a:solidFill>
-                <a:latin typeface="Arial" panose="020B0604020202020204" pitchFamily="34" charset="0"/>
-                <a:cs typeface="Arial" panose="020B0604020202020204" pitchFamily="34" charset="0"/>
-              </a:rPr>
-              <a:t>Способность ИИ подстраиваться под игрока и окружение</a:t>
-            </a:r>
-          </a:p>
-          <a:p>
-            <a:pPr>
-              <a:buFont typeface="Wingdings" pitchFamily="2" charset="2"/>
-              <a:buChar char="§"/>
-            </a:pPr>
-            <a:r>
-              <a:rPr lang="ru-RU" sz="2000" dirty="0">
-                <a:solidFill>
-                  <a:schemeClr val="tx1"/>
-                </a:solidFill>
-                <a:latin typeface="Arial" panose="020B0604020202020204" pitchFamily="34" charset="0"/>
-                <a:cs typeface="Arial" panose="020B0604020202020204" pitchFamily="34" charset="0"/>
-              </a:rPr>
-              <a:t>Универсальность использования ИИ</a:t>
-            </a:r>
-          </a:p>
-          <a:p>
-            <a:pPr>
-              <a:buFont typeface="Wingdings" pitchFamily="2" charset="2"/>
-              <a:buChar char="§"/>
-            </a:pPr>
-            <a:r>
-              <a:rPr lang="ru-RU" sz="2000" dirty="0">
-                <a:solidFill>
-                  <a:schemeClr val="tx1"/>
-                </a:solidFill>
-                <a:latin typeface="Arial" panose="020B0604020202020204" pitchFamily="34" charset="0"/>
-                <a:cs typeface="Arial" panose="020B0604020202020204" pitchFamily="34" charset="0"/>
-              </a:rPr>
-              <a:t>Создание базового персонажа для управления пользователем</a:t>
-            </a:r>
-          </a:p>
-          <a:p>
-            <a:pPr>
-              <a:buFont typeface="Wingdings" pitchFamily="2" charset="2"/>
-              <a:buChar char="§"/>
-            </a:pPr>
-            <a:r>
-              <a:rPr lang="ru-RU" sz="2000" dirty="0">
-                <a:solidFill>
-                  <a:schemeClr val="tx1"/>
-                </a:solidFill>
-                <a:latin typeface="Arial" panose="020B0604020202020204" pitchFamily="34" charset="0"/>
-                <a:cs typeface="Arial" panose="020B0604020202020204" pitchFamily="34" charset="0"/>
-              </a:rPr>
-              <a:t>Реализация алгоритмов ИИ на объектах: бот, дрон и автоматическая турель</a:t>
-            </a:r>
-            <a:endParaRPr lang="en-BY" sz="2000" dirty="0">
-              <a:solidFill>
-                <a:schemeClr val="tx1"/>
-              </a:solidFill>
-              <a:latin typeface="Arial" panose="020B0604020202020204" pitchFamily="34" charset="0"/>
-              <a:cs typeface="Arial" panose="020B0604020202020204" pitchFamily="34" charset="0"/>
-            </a:endParaRPr>
-          </a:p>
-        </p:txBody>
-      </p:sp>
       <p:sp>
         <p:nvSpPr>
           <p:cNvPr id="23" name="Rectangle 18">
@@ -5020,6 +4889,301 @@
             <a:schemeClr val="lt1"/>
           </a:fontRef>
         </p:style>
+      </p:sp>
+      <p:sp>
+        <p:nvSpPr>
+          <p:cNvPr id="8" name="TextBox 7">
+            <a:extLst>
+              <a:ext uri="{FF2B5EF4-FFF2-40B4-BE49-F238E27FC236}">
+                <a16:creationId xmlns:a16="http://schemas.microsoft.com/office/drawing/2014/main" id="{F64738B6-4BA1-0BD0-9369-A0A20AC5E074}"/>
+              </a:ext>
+            </a:extLst>
+          </p:cNvPr>
+          <p:cNvSpPr txBox="1"/>
+          <p:nvPr/>
+        </p:nvSpPr>
+        <p:spPr>
+          <a:xfrm>
+            <a:off x="4225771" y="1582340"/>
+            <a:ext cx="7794594" cy="3693319"/>
+          </a:xfrm>
+          <a:prstGeom prst="rect">
+            <a:avLst/>
+          </a:prstGeom>
+          <a:noFill/>
+        </p:spPr>
+        <p:txBody>
+          <a:bodyPr wrap="square">
+            <a:spAutoFit/>
+          </a:bodyPr>
+          <a:lstStyle/>
+          <a:p>
+            <a:pPr marL="0" indent="0">
+              <a:lnSpc>
+                <a:spcPct val="100000"/>
+              </a:lnSpc>
+              <a:buNone/>
+            </a:pPr>
+            <a:r>
+              <a:rPr lang="ru-RU" sz="1800" dirty="0">
+                <a:solidFill>
+                  <a:schemeClr val="tx1"/>
+                </a:solidFill>
+                <a:latin typeface="Arial" panose="020B0604020202020204" pitchFamily="34" charset="0"/>
+                <a:cs typeface="Arial" panose="020B0604020202020204" pitchFamily="34" charset="0"/>
+              </a:rPr>
+              <a:t>Цель проекта: </a:t>
+            </a:r>
+          </a:p>
+          <a:p>
+            <a:pPr>
+              <a:lnSpc>
+                <a:spcPct val="100000"/>
+              </a:lnSpc>
+              <a:buClr>
+                <a:schemeClr val="tx1">
+                  <a:lumMod val="85000"/>
+                  <a:lumOff val="15000"/>
+                </a:schemeClr>
+              </a:buClr>
+              <a:buFont typeface="Wingdings" panose="05000000000000000000" pitchFamily="2" charset="2"/>
+              <a:buChar char="v"/>
+            </a:pPr>
+            <a:r>
+              <a:rPr lang="ru-RU" sz="1800" dirty="0">
+                <a:solidFill>
+                  <a:schemeClr val="tx1"/>
+                </a:solidFill>
+                <a:latin typeface="Arial" panose="020B0604020202020204" pitchFamily="34" charset="0"/>
+                <a:cs typeface="Arial" panose="020B0604020202020204" pitchFamily="34" charset="0"/>
+              </a:rPr>
+              <a:t>Создание игрового искусственного интеллекта развлекательного типа на основе игрового движка </a:t>
+            </a:r>
+            <a:r>
+              <a:rPr lang="en-US" sz="1800" dirty="0">
+                <a:solidFill>
+                  <a:schemeClr val="tx1"/>
+                </a:solidFill>
+                <a:latin typeface="Arial" panose="020B0604020202020204" pitchFamily="34" charset="0"/>
+                <a:cs typeface="Arial" panose="020B0604020202020204" pitchFamily="34" charset="0"/>
+              </a:rPr>
+              <a:t>Unreal Engine 4</a:t>
+            </a:r>
+            <a:endParaRPr lang="ru-RU" sz="1800" dirty="0">
+              <a:solidFill>
+                <a:schemeClr val="tx1"/>
+              </a:solidFill>
+              <a:latin typeface="Arial" panose="020B0604020202020204" pitchFamily="34" charset="0"/>
+              <a:cs typeface="Arial" panose="020B0604020202020204" pitchFamily="34" charset="0"/>
+            </a:endParaRPr>
+          </a:p>
+          <a:p>
+            <a:pPr>
+              <a:lnSpc>
+                <a:spcPct val="100000"/>
+              </a:lnSpc>
+              <a:buClr>
+                <a:schemeClr val="tx1">
+                  <a:lumMod val="85000"/>
+                  <a:lumOff val="15000"/>
+                </a:schemeClr>
+              </a:buClr>
+            </a:pPr>
+            <a:endParaRPr lang="en-US" sz="1800" dirty="0">
+              <a:solidFill>
+                <a:schemeClr val="tx1"/>
+              </a:solidFill>
+              <a:latin typeface="Arial" panose="020B0604020202020204" pitchFamily="34" charset="0"/>
+              <a:cs typeface="Arial" panose="020B0604020202020204" pitchFamily="34" charset="0"/>
+            </a:endParaRPr>
+          </a:p>
+          <a:p>
+            <a:pPr marL="0" indent="0">
+              <a:lnSpc>
+                <a:spcPct val="100000"/>
+              </a:lnSpc>
+              <a:buNone/>
+            </a:pPr>
+            <a:r>
+              <a:rPr lang="ru-RU" sz="1800" dirty="0">
+                <a:solidFill>
+                  <a:schemeClr val="tx1"/>
+                </a:solidFill>
+                <a:latin typeface="Arial" panose="020B0604020202020204" pitchFamily="34" charset="0"/>
+                <a:cs typeface="Arial" panose="020B0604020202020204" pitchFamily="34" charset="0"/>
+              </a:rPr>
+              <a:t>Задачи проекта: </a:t>
+            </a:r>
+          </a:p>
+          <a:p>
+            <a:pPr>
+              <a:lnSpc>
+                <a:spcPct val="100000"/>
+              </a:lnSpc>
+              <a:buClr>
+                <a:schemeClr val="tx1">
+                  <a:lumMod val="75000"/>
+                  <a:lumOff val="25000"/>
+                </a:schemeClr>
+              </a:buClr>
+              <a:buFont typeface="Wingdings" panose="05000000000000000000" pitchFamily="2" charset="2"/>
+              <a:buChar char="v"/>
+            </a:pPr>
+            <a:r>
+              <a:rPr lang="ru-RU" sz="1800" dirty="0">
+                <a:solidFill>
+                  <a:schemeClr val="tx1"/>
+                </a:solidFill>
+                <a:latin typeface="Arial" panose="020B0604020202020204" pitchFamily="34" charset="0"/>
+                <a:cs typeface="Arial" panose="020B0604020202020204" pitchFamily="34" charset="0"/>
+              </a:rPr>
+              <a:t>Разработка летающего игрового персонажа</a:t>
+            </a:r>
+          </a:p>
+          <a:p>
+            <a:pPr>
+              <a:lnSpc>
+                <a:spcPct val="100000"/>
+              </a:lnSpc>
+              <a:buClr>
+                <a:schemeClr val="tx1">
+                  <a:lumMod val="75000"/>
+                  <a:lumOff val="25000"/>
+                </a:schemeClr>
+              </a:buClr>
+              <a:buFont typeface="Wingdings" panose="05000000000000000000" pitchFamily="2" charset="2"/>
+              <a:buChar char="v"/>
+            </a:pPr>
+            <a:r>
+              <a:rPr lang="ru-RU" sz="1800" dirty="0">
+                <a:solidFill>
+                  <a:schemeClr val="tx1"/>
+                </a:solidFill>
+                <a:latin typeface="Arial" panose="020B0604020202020204" pitchFamily="34" charset="0"/>
+                <a:cs typeface="Arial" panose="020B0604020202020204" pitchFamily="34" charset="0"/>
+              </a:rPr>
+              <a:t>Разработка персонажа статического типа</a:t>
+            </a:r>
+          </a:p>
+          <a:p>
+            <a:pPr>
+              <a:lnSpc>
+                <a:spcPct val="100000"/>
+              </a:lnSpc>
+              <a:buClr>
+                <a:schemeClr val="tx1">
+                  <a:lumMod val="75000"/>
+                  <a:lumOff val="25000"/>
+                </a:schemeClr>
+              </a:buClr>
+              <a:buFont typeface="Wingdings" panose="05000000000000000000" pitchFamily="2" charset="2"/>
+              <a:buChar char="v"/>
+            </a:pPr>
+            <a:r>
+              <a:rPr lang="ru-RU" sz="1800" dirty="0">
+                <a:solidFill>
+                  <a:schemeClr val="tx1"/>
+                </a:solidFill>
+                <a:latin typeface="Arial" panose="020B0604020202020204" pitchFamily="34" charset="0"/>
+                <a:cs typeface="Arial" panose="020B0604020202020204" pitchFamily="34" charset="0"/>
+              </a:rPr>
+              <a:t>Разработка базового бота</a:t>
+            </a:r>
+          </a:p>
+          <a:p>
+            <a:pPr>
+              <a:lnSpc>
+                <a:spcPct val="100000"/>
+              </a:lnSpc>
+              <a:buClr>
+                <a:schemeClr val="tx1">
+                  <a:lumMod val="75000"/>
+                  <a:lumOff val="25000"/>
+                </a:schemeClr>
+              </a:buClr>
+              <a:buFont typeface="Wingdings" panose="05000000000000000000" pitchFamily="2" charset="2"/>
+              <a:buChar char="v"/>
+            </a:pPr>
+            <a:r>
+              <a:rPr lang="ru-RU" sz="1800" dirty="0">
+                <a:solidFill>
+                  <a:schemeClr val="tx1"/>
+                </a:solidFill>
+                <a:latin typeface="Arial" panose="020B0604020202020204" pitchFamily="34" charset="0"/>
+                <a:cs typeface="Arial" panose="020B0604020202020204" pitchFamily="34" charset="0"/>
+              </a:rPr>
+              <a:t>Создание уровней различного назначения</a:t>
+            </a:r>
+          </a:p>
+          <a:p>
+            <a:pPr>
+              <a:lnSpc>
+                <a:spcPct val="100000"/>
+              </a:lnSpc>
+              <a:buClr>
+                <a:schemeClr val="tx1">
+                  <a:lumMod val="75000"/>
+                  <a:lumOff val="25000"/>
+                </a:schemeClr>
+              </a:buClr>
+              <a:buFont typeface="Wingdings" panose="05000000000000000000" pitchFamily="2" charset="2"/>
+              <a:buChar char="v"/>
+            </a:pPr>
+            <a:r>
+              <a:rPr lang="ru-RU" sz="1800" dirty="0">
+                <a:solidFill>
+                  <a:schemeClr val="tx1"/>
+                </a:solidFill>
+                <a:latin typeface="Arial" panose="020B0604020202020204" pitchFamily="34" charset="0"/>
+                <a:cs typeface="Arial" panose="020B0604020202020204" pitchFamily="34" charset="0"/>
+              </a:rPr>
+              <a:t>Создание простейшей системы частиц</a:t>
+            </a:r>
+            <a:endParaRPr lang="en-US" sz="1800" dirty="0">
+              <a:solidFill>
+                <a:schemeClr val="tx1"/>
+              </a:solidFill>
+              <a:latin typeface="Arial" panose="020B0604020202020204" pitchFamily="34" charset="0"/>
+              <a:cs typeface="Arial" panose="020B0604020202020204" pitchFamily="34" charset="0"/>
+            </a:endParaRPr>
+          </a:p>
+          <a:p>
+            <a:pPr marL="0" indent="0">
+              <a:buNone/>
+            </a:pPr>
+            <a:endParaRPr lang="ru-RU" sz="1800" dirty="0">
+              <a:solidFill>
+                <a:schemeClr val="tx1"/>
+              </a:solidFill>
+              <a:latin typeface="Arial" panose="020B0604020202020204" pitchFamily="34" charset="0"/>
+              <a:cs typeface="Arial" panose="020B0604020202020204" pitchFamily="34" charset="0"/>
+            </a:endParaRPr>
+          </a:p>
+          <a:p>
+            <a:pPr marL="0" indent="0">
+              <a:buNone/>
+            </a:pPr>
+            <a:endParaRPr lang="ru-RU" sz="1800" dirty="0">
+              <a:solidFill>
+                <a:schemeClr val="tx1"/>
+              </a:solidFill>
+              <a:latin typeface="Arial" panose="020B0604020202020204" pitchFamily="34" charset="0"/>
+              <a:cs typeface="Arial" panose="020B0604020202020204" pitchFamily="34" charset="0"/>
+            </a:endParaRPr>
+          </a:p>
+          <a:p>
+            <a:pPr marL="0" indent="0">
+              <a:buNone/>
+            </a:pPr>
+            <a:endParaRPr lang="en-BY" sz="1800" dirty="0">
+              <a:solidFill>
+                <a:schemeClr val="tx1"/>
+              </a:solidFill>
+              <a:latin typeface="Arial" panose="020B0604020202020204" pitchFamily="34" charset="0"/>
+              <a:cs typeface="Arial" panose="020B0604020202020204" pitchFamily="34" charset="0"/>
+            </a:endParaRPr>
+          </a:p>
+        </p:txBody>
       </p:sp>
     </p:spTree>
     <p:extLst>
@@ -5067,10 +5231,15 @@
             <p:ph type="title"/>
           </p:nvPr>
         </p:nvSpPr>
-        <p:spPr/>
+        <p:spPr>
+          <a:xfrm>
+            <a:off x="1461265" y="1104946"/>
+            <a:ext cx="2436033" cy="583263"/>
+          </a:xfrm>
+        </p:spPr>
         <p:txBody>
           <a:bodyPr>
-            <a:normAutofit/>
+            <a:noAutofit/>
           </a:bodyPr>
           <a:lstStyle/>
           <a:p>
@@ -5126,8 +5295,8 @@
         </p:blipFill>
         <p:spPr bwMode="auto">
           <a:xfrm>
-            <a:off x="903324" y="1948106"/>
-            <a:ext cx="3149880" cy="2099920"/>
+            <a:off x="1730046" y="2045760"/>
+            <a:ext cx="1653445" cy="1102297"/>
           </a:xfrm>
           <a:prstGeom prst="rect">
             <a:avLst/>
@@ -5173,8 +5342,8 @@
         </p:blipFill>
         <p:spPr bwMode="auto">
           <a:xfrm>
-            <a:off x="4792647" y="376628"/>
-            <a:ext cx="6858000" cy="6858000"/>
+            <a:off x="1251746" y="2165167"/>
+            <a:ext cx="3854203" cy="3854203"/>
           </a:xfrm>
           <a:prstGeom prst="rect">
             <a:avLst/>
@@ -5220,8 +5389,8 @@
         </p:blipFill>
         <p:spPr bwMode="auto">
           <a:xfrm>
-            <a:off x="903324" y="4129468"/>
-            <a:ext cx="3149880" cy="1835224"/>
+            <a:off x="2679281" y="5036480"/>
+            <a:ext cx="1866509" cy="1087490"/>
           </a:xfrm>
           <a:prstGeom prst="rect">
             <a:avLst/>
@@ -5238,6 +5407,237 @@
           </a:extLst>
         </p:spPr>
       </p:pic>
+      <p:pic>
+        <p:nvPicPr>
+          <p:cNvPr id="3" name="Picture 2">
+            <a:extLst>
+              <a:ext uri="{FF2B5EF4-FFF2-40B4-BE49-F238E27FC236}">
+                <a16:creationId xmlns:a16="http://schemas.microsoft.com/office/drawing/2014/main" id="{F64F1CB1-53FF-959C-0098-88B0D1008373}"/>
+              </a:ext>
+            </a:extLst>
+          </p:cNvPr>
+          <p:cNvPicPr>
+            <a:picLocks noChangeAspect="1" noChangeArrowheads="1"/>
+          </p:cNvPicPr>
+          <p:nvPr/>
+        </p:nvPicPr>
+        <p:blipFill>
+          <a:blip r:embed="rId5">
+            <a:extLst>
+              <a:ext uri="{28A0092B-C50C-407E-A947-70E740481C1C}">
+                <a14:useLocalDpi xmlns:a14="http://schemas.microsoft.com/office/drawing/2010/main" val="0"/>
+              </a:ext>
+            </a:extLst>
+          </a:blip>
+          <a:srcRect/>
+          <a:stretch>
+            <a:fillRect/>
+          </a:stretch>
+        </p:blipFill>
+        <p:spPr bwMode="auto">
+          <a:xfrm>
+            <a:off x="9812559" y="3591556"/>
+            <a:ext cx="755102" cy="848765"/>
+          </a:xfrm>
+          <a:prstGeom prst="rect">
+            <a:avLst/>
+          </a:prstGeom>
+          <a:noFill/>
+          <a:extLst>
+            <a:ext uri="{909E8E84-426E-40DD-AFC4-6F175D3DCCD1}">
+              <a14:hiddenFill xmlns:a14="http://schemas.microsoft.com/office/drawing/2010/main">
+                <a:solidFill>
+                  <a:srgbClr val="FFFFFF"/>
+                </a:solidFill>
+              </a14:hiddenFill>
+            </a:ext>
+          </a:extLst>
+        </p:spPr>
+      </p:pic>
+      <p:pic>
+        <p:nvPicPr>
+          <p:cNvPr id="4" name="Picture 4" descr="Unreal Engine — Википедия">
+            <a:extLst>
+              <a:ext uri="{FF2B5EF4-FFF2-40B4-BE49-F238E27FC236}">
+                <a16:creationId xmlns:a16="http://schemas.microsoft.com/office/drawing/2014/main" id="{2CC71FE2-8F40-BC14-D483-C6F3C53066A5}"/>
+              </a:ext>
+            </a:extLst>
+          </p:cNvPr>
+          <p:cNvPicPr>
+            <a:picLocks noChangeAspect="1" noChangeArrowheads="1"/>
+          </p:cNvPicPr>
+          <p:nvPr/>
+        </p:nvPicPr>
+        <p:blipFill>
+          <a:blip r:embed="rId6">
+            <a:extLst>
+              <a:ext uri="{28A0092B-C50C-407E-A947-70E740481C1C}">
+                <a14:useLocalDpi xmlns:a14="http://schemas.microsoft.com/office/drawing/2010/main" val="0"/>
+              </a:ext>
+            </a:extLst>
+          </a:blip>
+          <a:srcRect/>
+          <a:stretch>
+            <a:fillRect/>
+          </a:stretch>
+        </p:blipFill>
+        <p:spPr bwMode="auto">
+          <a:xfrm>
+            <a:off x="7434267" y="5036480"/>
+            <a:ext cx="812561" cy="885759"/>
+          </a:xfrm>
+          <a:prstGeom prst="rect">
+            <a:avLst/>
+          </a:prstGeom>
+          <a:noFill/>
+          <a:extLst>
+            <a:ext uri="{909E8E84-426E-40DD-AFC4-6F175D3DCCD1}">
+              <a14:hiddenFill xmlns:a14="http://schemas.microsoft.com/office/drawing/2010/main">
+                <a:solidFill>
+                  <a:srgbClr val="FFFFFF"/>
+                </a:solidFill>
+              </a14:hiddenFill>
+            </a:ext>
+          </a:extLst>
+        </p:spPr>
+      </p:pic>
+      <p:pic>
+        <p:nvPicPr>
+          <p:cNvPr id="5" name="Picture 6" descr="Custom Events | Unreal Engine Documentation">
+            <a:extLst>
+              <a:ext uri="{FF2B5EF4-FFF2-40B4-BE49-F238E27FC236}">
+                <a16:creationId xmlns:a16="http://schemas.microsoft.com/office/drawing/2014/main" id="{B61E1248-E26E-74C5-F2BE-F4D06DA53DC2}"/>
+              </a:ext>
+            </a:extLst>
+          </p:cNvPr>
+          <p:cNvPicPr>
+            <a:picLocks noChangeAspect="1" noChangeArrowheads="1"/>
+          </p:cNvPicPr>
+          <p:nvPr/>
+        </p:nvPicPr>
+        <p:blipFill>
+          <a:blip r:embed="rId7">
+            <a:extLst>
+              <a:ext uri="{28A0092B-C50C-407E-A947-70E740481C1C}">
+                <a14:useLocalDpi xmlns:a14="http://schemas.microsoft.com/office/drawing/2010/main" val="0"/>
+              </a:ext>
+            </a:extLst>
+          </a:blip>
+          <a:srcRect/>
+          <a:stretch>
+            <a:fillRect/>
+          </a:stretch>
+        </p:blipFill>
+        <p:spPr bwMode="auto">
+          <a:xfrm>
+            <a:off x="7434267" y="2952097"/>
+            <a:ext cx="953806" cy="953806"/>
+          </a:xfrm>
+          <a:prstGeom prst="rect">
+            <a:avLst/>
+          </a:prstGeom>
+          <a:noFill/>
+          <a:extLst>
+            <a:ext uri="{909E8E84-426E-40DD-AFC4-6F175D3DCCD1}">
+              <a14:hiddenFill xmlns:a14="http://schemas.microsoft.com/office/drawing/2010/main">
+                <a:solidFill>
+                  <a:srgbClr val="FFFFFF"/>
+                </a:solidFill>
+              </a14:hiddenFill>
+            </a:ext>
+          </a:extLst>
+        </p:spPr>
+      </p:pic>
+      <p:pic>
+        <p:nvPicPr>
+          <p:cNvPr id="7" name="Picture 8">
+            <a:extLst>
+              <a:ext uri="{FF2B5EF4-FFF2-40B4-BE49-F238E27FC236}">
+                <a16:creationId xmlns:a16="http://schemas.microsoft.com/office/drawing/2014/main" id="{CBA304D9-BA0E-8973-9C40-CF06ADA2A746}"/>
+              </a:ext>
+            </a:extLst>
+          </p:cNvPr>
+          <p:cNvPicPr>
+            <a:picLocks noChangeAspect="1" noChangeArrowheads="1"/>
+          </p:cNvPicPr>
+          <p:nvPr/>
+        </p:nvPicPr>
+        <p:blipFill>
+          <a:blip r:embed="rId8">
+            <a:extLst>
+              <a:ext uri="{28A0092B-C50C-407E-A947-70E740481C1C}">
+                <a14:useLocalDpi xmlns:a14="http://schemas.microsoft.com/office/drawing/2010/main" val="0"/>
+              </a:ext>
+            </a:extLst>
+          </a:blip>
+          <a:srcRect/>
+          <a:stretch>
+            <a:fillRect/>
+          </a:stretch>
+        </p:blipFill>
+        <p:spPr bwMode="auto">
+          <a:xfrm>
+            <a:off x="10011748" y="4893527"/>
+            <a:ext cx="911849" cy="911849"/>
+          </a:xfrm>
+          <a:prstGeom prst="rect">
+            <a:avLst/>
+          </a:prstGeom>
+          <a:noFill/>
+          <a:extLst>
+            <a:ext uri="{909E8E84-426E-40DD-AFC4-6F175D3DCCD1}">
+              <a14:hiddenFill xmlns:a14="http://schemas.microsoft.com/office/drawing/2010/main">
+                <a:solidFill>
+                  <a:srgbClr val="FFFFFF"/>
+                </a:solidFill>
+              </a14:hiddenFill>
+            </a:ext>
+          </a:extLst>
+        </p:spPr>
+      </p:pic>
+      <p:sp>
+        <p:nvSpPr>
+          <p:cNvPr id="15" name="TextBox 14">
+            <a:extLst>
+              <a:ext uri="{FF2B5EF4-FFF2-40B4-BE49-F238E27FC236}">
+                <a16:creationId xmlns:a16="http://schemas.microsoft.com/office/drawing/2014/main" id="{40AB73F7-1BA8-652E-D9FB-491A094BD892}"/>
+              </a:ext>
+            </a:extLst>
+          </p:cNvPr>
+          <p:cNvSpPr txBox="1"/>
+          <p:nvPr/>
+        </p:nvSpPr>
+        <p:spPr>
+          <a:xfrm>
+            <a:off x="6642717" y="656115"/>
+            <a:ext cx="4205796" cy="1323439"/>
+          </a:xfrm>
+          <a:prstGeom prst="rect">
+            <a:avLst/>
+          </a:prstGeom>
+          <a:noFill/>
+        </p:spPr>
+        <p:txBody>
+          <a:bodyPr wrap="square">
+            <a:spAutoFit/>
+          </a:bodyPr>
+          <a:lstStyle/>
+          <a:p>
+            <a:pPr algn="ctr"/>
+            <a:r>
+              <a:rPr lang="ru-RU" sz="4000" dirty="0">
+                <a:solidFill>
+                  <a:schemeClr val="tx1"/>
+                </a:solidFill>
+                <a:latin typeface="Arial" panose="020B0604020202020204" pitchFamily="34" charset="0"/>
+                <a:cs typeface="Arial" panose="020B0604020202020204" pitchFamily="34" charset="0"/>
+              </a:rPr>
+              <a:t>Использованные технологии</a:t>
+            </a:r>
+            <a:endParaRPr lang="ru-RU" sz="4000" dirty="0"/>
+          </a:p>
+        </p:txBody>
+      </p:sp>
     </p:spTree>
     <p:extLst>
       <p:ext uri="{BB962C8B-B14F-4D97-AF65-F5344CB8AC3E}">
@@ -5273,7 +5673,7 @@
           <p:cNvPr id="2" name="Title 1">
             <a:extLst>
               <a:ext uri="{FF2B5EF4-FFF2-40B4-BE49-F238E27FC236}">
-                <a16:creationId xmlns:a16="http://schemas.microsoft.com/office/drawing/2014/main" id="{27D3C50B-3BEE-54D9-2179-9E152AE517C8}"/>
+                <a16:creationId xmlns:a16="http://schemas.microsoft.com/office/drawing/2014/main" id="{33EAD620-8ADA-953C-2228-C2851060FCFA}"/>
               </a:ext>
             </a:extLst>
           </p:cNvPr>
@@ -5286,7 +5686,9 @@
         </p:nvSpPr>
         <p:spPr/>
         <p:txBody>
-          <a:bodyPr/>
+          <a:bodyPr>
+            <a:normAutofit/>
+          </a:bodyPr>
           <a:lstStyle/>
           <a:p>
             <a:pPr algn="ctr"/>
@@ -5298,27 +5700,7 @@
                 <a:latin typeface="Arial" panose="020B0604020202020204" pitchFamily="34" charset="0"/>
                 <a:cs typeface="Arial" panose="020B0604020202020204" pitchFamily="34" charset="0"/>
               </a:rPr>
-              <a:t>Использованные</a:t>
-            </a:r>
-            <a:r>
-              <a:rPr lang="ru-RU" dirty="0">
-                <a:solidFill>
-                  <a:schemeClr val="tx1"/>
-                </a:solidFill>
-                <a:latin typeface="Arial" panose="020B0604020202020204" pitchFamily="34" charset="0"/>
-                <a:cs typeface="Arial" panose="020B0604020202020204" pitchFamily="34" charset="0"/>
-              </a:rPr>
-              <a:t> </a:t>
-            </a:r>
-            <a:r>
-              <a:rPr lang="ru-RU" sz="4000" dirty="0">
-                <a:solidFill>
-                  <a:schemeClr val="tx1"/>
-                </a:solidFill>
-                <a:latin typeface="Arial" panose="020B0604020202020204" pitchFamily="34" charset="0"/>
-                <a:cs typeface="Arial" panose="020B0604020202020204" pitchFamily="34" charset="0"/>
-              </a:rPr>
-              <a:t>технологии</a:t>
+              <a:t>Алгоритм поиска пути дрона</a:t>
             </a:r>
             <a:endParaRPr lang="en-BY" sz="4000" dirty="0">
               <a:solidFill>
@@ -5332,10 +5714,10 @@
       </p:sp>
       <p:pic>
         <p:nvPicPr>
-          <p:cNvPr id="2050" name="Picture 2">
-            <a:extLst>
-              <a:ext uri="{FF2B5EF4-FFF2-40B4-BE49-F238E27FC236}">
-                <a16:creationId xmlns:a16="http://schemas.microsoft.com/office/drawing/2014/main" id="{07CE1E24-24F9-8E69-C1CC-8FB15A338858}"/>
+          <p:cNvPr id="6146" name="Picture 2">
+            <a:extLst>
+              <a:ext uri="{FF2B5EF4-FFF2-40B4-BE49-F238E27FC236}">
+                <a16:creationId xmlns:a16="http://schemas.microsoft.com/office/drawing/2014/main" id="{C148C065-D786-11BD-BA92-08D40FBC8242}"/>
               </a:ext>
             </a:extLst>
           </p:cNvPr>
@@ -5361,8 +5743,8 @@
         </p:blipFill>
         <p:spPr bwMode="auto">
           <a:xfrm>
-            <a:off x="899378" y="2855591"/>
-            <a:ext cx="2145325" cy="2411431"/>
+            <a:off x="625476" y="2514224"/>
+            <a:ext cx="5157254" cy="2443797"/>
           </a:xfrm>
           <a:prstGeom prst="rect">
             <a:avLst/>
@@ -5381,10 +5763,10 @@
       </p:pic>
       <p:pic>
         <p:nvPicPr>
-          <p:cNvPr id="2052" name="Picture 4" descr="Unreal Engine — Википедия">
-            <a:extLst>
-              <a:ext uri="{FF2B5EF4-FFF2-40B4-BE49-F238E27FC236}">
-                <a16:creationId xmlns:a16="http://schemas.microsoft.com/office/drawing/2014/main" id="{E18EDDD5-FDF3-AE7E-72C7-D9322EDB8331}"/>
+          <p:cNvPr id="6148" name="Picture 4">
+            <a:extLst>
+              <a:ext uri="{FF2B5EF4-FFF2-40B4-BE49-F238E27FC236}">
+                <a16:creationId xmlns:a16="http://schemas.microsoft.com/office/drawing/2014/main" id="{C8C61BA6-CD9C-5C17-E77E-B0DD1DE76E50}"/>
               </a:ext>
             </a:extLst>
           </p:cNvPr>
@@ -5408,8 +5790,8 @@
         </p:blipFill>
         <p:spPr bwMode="auto">
           <a:xfrm>
-            <a:off x="6621706" y="2736252"/>
-            <a:ext cx="2308573" cy="2516536"/>
+            <a:off x="6820116" y="2530504"/>
+            <a:ext cx="4746408" cy="2411236"/>
           </a:xfrm>
           <a:prstGeom prst="rect">
             <a:avLst/>
@@ -5426,104 +5808,10 @@
           </a:extLst>
         </p:spPr>
       </p:pic>
-      <p:pic>
-        <p:nvPicPr>
-          <p:cNvPr id="2054" name="Picture 6" descr="Custom Events | Unreal Engine Documentation">
-            <a:extLst>
-              <a:ext uri="{FF2B5EF4-FFF2-40B4-BE49-F238E27FC236}">
-                <a16:creationId xmlns:a16="http://schemas.microsoft.com/office/drawing/2014/main" id="{1F361ABF-5233-3D86-B60C-0B669671EC91}"/>
-              </a:ext>
-            </a:extLst>
-          </p:cNvPr>
-          <p:cNvPicPr>
-            <a:picLocks noChangeAspect="1" noChangeArrowheads="1"/>
-          </p:cNvPicPr>
-          <p:nvPr/>
-        </p:nvPicPr>
-        <p:blipFill>
-          <a:blip r:embed="rId4">
-            <a:extLst>
-              <a:ext uri="{28A0092B-C50C-407E-A947-70E740481C1C}">
-                <a14:useLocalDpi xmlns:a14="http://schemas.microsoft.com/office/drawing/2010/main" val="0"/>
-              </a:ext>
-            </a:extLst>
-          </a:blip>
-          <a:srcRect/>
-          <a:stretch>
-            <a:fillRect/>
-          </a:stretch>
-        </p:blipFill>
-        <p:spPr bwMode="auto">
-          <a:xfrm>
-            <a:off x="3478273" y="2639589"/>
-            <a:ext cx="2709863" cy="2709863"/>
-          </a:xfrm>
-          <a:prstGeom prst="rect">
-            <a:avLst/>
-          </a:prstGeom>
-          <a:noFill/>
-          <a:extLst>
-            <a:ext uri="{909E8E84-426E-40DD-AFC4-6F175D3DCCD1}">
-              <a14:hiddenFill xmlns:a14="http://schemas.microsoft.com/office/drawing/2010/main">
-                <a:solidFill>
-                  <a:srgbClr val="FFFFFF"/>
-                </a:solidFill>
-              </a14:hiddenFill>
-            </a:ext>
-          </a:extLst>
-        </p:spPr>
-      </p:pic>
-      <p:pic>
-        <p:nvPicPr>
-          <p:cNvPr id="2056" name="Picture 8">
-            <a:extLst>
-              <a:ext uri="{FF2B5EF4-FFF2-40B4-BE49-F238E27FC236}">
-                <a16:creationId xmlns:a16="http://schemas.microsoft.com/office/drawing/2014/main" id="{F9301D86-1E1F-9794-4590-7B2C97AB64C2}"/>
-              </a:ext>
-            </a:extLst>
-          </p:cNvPr>
-          <p:cNvPicPr>
-            <a:picLocks noChangeAspect="1" noChangeArrowheads="1"/>
-          </p:cNvPicPr>
-          <p:nvPr/>
-        </p:nvPicPr>
-        <p:blipFill>
-          <a:blip r:embed="rId5">
-            <a:extLst>
-              <a:ext uri="{28A0092B-C50C-407E-A947-70E740481C1C}">
-                <a14:useLocalDpi xmlns:a14="http://schemas.microsoft.com/office/drawing/2010/main" val="0"/>
-              </a:ext>
-            </a:extLst>
-          </a:blip>
-          <a:srcRect/>
-          <a:stretch>
-            <a:fillRect/>
-          </a:stretch>
-        </p:blipFill>
-        <p:spPr bwMode="auto">
-          <a:xfrm>
-            <a:off x="9099899" y="2609104"/>
-            <a:ext cx="2590660" cy="2590660"/>
-          </a:xfrm>
-          <a:prstGeom prst="rect">
-            <a:avLst/>
-          </a:prstGeom>
-          <a:noFill/>
-          <a:extLst>
-            <a:ext uri="{909E8E84-426E-40DD-AFC4-6F175D3DCCD1}">
-              <a14:hiddenFill xmlns:a14="http://schemas.microsoft.com/office/drawing/2010/main">
-                <a:solidFill>
-                  <a:srgbClr val="FFFFFF"/>
-                </a:solidFill>
-              </a14:hiddenFill>
-            </a:ext>
-          </a:extLst>
-        </p:spPr>
-      </p:pic>
     </p:spTree>
     <p:extLst>
       <p:ext uri="{BB962C8B-B14F-4D97-AF65-F5344CB8AC3E}">
-        <p14:creationId xmlns:p14="http://schemas.microsoft.com/office/powerpoint/2010/main" val="1982420509"/>
+        <p14:creationId xmlns:p14="http://schemas.microsoft.com/office/powerpoint/2010/main" val="1799688498"/>
       </p:ext>
     </p:extLst>
   </p:cSld>
@@ -5555,7 +5843,7 @@
           <p:cNvPr id="2" name="Title 1">
             <a:extLst>
               <a:ext uri="{FF2B5EF4-FFF2-40B4-BE49-F238E27FC236}">
-                <a16:creationId xmlns:a16="http://schemas.microsoft.com/office/drawing/2014/main" id="{33EAD620-8ADA-953C-2228-C2851060FCFA}"/>
+                <a16:creationId xmlns:a16="http://schemas.microsoft.com/office/drawing/2014/main" id="{F6190E3F-F985-3F5A-55F0-6EB953FC7C2D}"/>
               </a:ext>
             </a:extLst>
           </p:cNvPr>
@@ -5582,7 +5870,7 @@
                 <a:latin typeface="Arial" panose="020B0604020202020204" pitchFamily="34" charset="0"/>
                 <a:cs typeface="Arial" panose="020B0604020202020204" pitchFamily="34" charset="0"/>
               </a:rPr>
-              <a:t>Алгоритм поиска пути дрона</a:t>
+              <a:t>Алгоритм поиска пути бота</a:t>
             </a:r>
             <a:endParaRPr lang="en-BY" sz="4000" dirty="0">
               <a:solidFill>
@@ -5596,10 +5884,10 @@
       </p:sp>
       <p:pic>
         <p:nvPicPr>
-          <p:cNvPr id="6146" name="Picture 2">
-            <a:extLst>
-              <a:ext uri="{FF2B5EF4-FFF2-40B4-BE49-F238E27FC236}">
-                <a16:creationId xmlns:a16="http://schemas.microsoft.com/office/drawing/2014/main" id="{C148C065-D786-11BD-BA92-08D40FBC8242}"/>
+          <p:cNvPr id="7170" name="Picture 2">
+            <a:extLst>
+              <a:ext uri="{FF2B5EF4-FFF2-40B4-BE49-F238E27FC236}">
+                <a16:creationId xmlns:a16="http://schemas.microsoft.com/office/drawing/2014/main" id="{861C8372-2634-CE82-283C-44096994D883}"/>
               </a:ext>
             </a:extLst>
           </p:cNvPr>
@@ -5625,8 +5913,8 @@
         </p:blipFill>
         <p:spPr bwMode="auto">
           <a:xfrm>
-            <a:off x="625476" y="2514224"/>
-            <a:ext cx="5157254" cy="2443797"/>
+            <a:off x="2453481" y="2324894"/>
+            <a:ext cx="7285037" cy="3385674"/>
           </a:xfrm>
           <a:prstGeom prst="rect">
             <a:avLst/>
@@ -5643,57 +5931,10 @@
           </a:extLst>
         </p:spPr>
       </p:pic>
-      <p:pic>
-        <p:nvPicPr>
-          <p:cNvPr id="6148" name="Picture 4">
-            <a:extLst>
-              <a:ext uri="{FF2B5EF4-FFF2-40B4-BE49-F238E27FC236}">
-                <a16:creationId xmlns:a16="http://schemas.microsoft.com/office/drawing/2014/main" id="{C8C61BA6-CD9C-5C17-E77E-B0DD1DE76E50}"/>
-              </a:ext>
-            </a:extLst>
-          </p:cNvPr>
-          <p:cNvPicPr>
-            <a:picLocks noChangeAspect="1" noChangeArrowheads="1"/>
-          </p:cNvPicPr>
-          <p:nvPr/>
-        </p:nvPicPr>
-        <p:blipFill>
-          <a:blip r:embed="rId3">
-            <a:extLst>
-              <a:ext uri="{28A0092B-C50C-407E-A947-70E740481C1C}">
-                <a14:useLocalDpi xmlns:a14="http://schemas.microsoft.com/office/drawing/2010/main" val="0"/>
-              </a:ext>
-            </a:extLst>
-          </a:blip>
-          <a:srcRect/>
-          <a:stretch>
-            <a:fillRect/>
-          </a:stretch>
-        </p:blipFill>
-        <p:spPr bwMode="auto">
-          <a:xfrm>
-            <a:off x="6820116" y="2530504"/>
-            <a:ext cx="4746408" cy="2411236"/>
-          </a:xfrm>
-          <a:prstGeom prst="rect">
-            <a:avLst/>
-          </a:prstGeom>
-          <a:noFill/>
-          <a:extLst>
-            <a:ext uri="{909E8E84-426E-40DD-AFC4-6F175D3DCCD1}">
-              <a14:hiddenFill xmlns:a14="http://schemas.microsoft.com/office/drawing/2010/main">
-                <a:solidFill>
-                  <a:srgbClr val="FFFFFF"/>
-                </a:solidFill>
-              </a14:hiddenFill>
-            </a:ext>
-          </a:extLst>
-        </p:spPr>
-      </p:pic>
     </p:spTree>
     <p:extLst>
       <p:ext uri="{BB962C8B-B14F-4D97-AF65-F5344CB8AC3E}">
-        <p14:creationId xmlns:p14="http://schemas.microsoft.com/office/powerpoint/2010/main" val="1799688498"/>
+        <p14:creationId xmlns:p14="http://schemas.microsoft.com/office/powerpoint/2010/main" val="2779280530"/>
       </p:ext>
     </p:extLst>
   </p:cSld>
@@ -5725,7 +5966,7 @@
           <p:cNvPr id="2" name="Title 1">
             <a:extLst>
               <a:ext uri="{FF2B5EF4-FFF2-40B4-BE49-F238E27FC236}">
-                <a16:creationId xmlns:a16="http://schemas.microsoft.com/office/drawing/2014/main" id="{F6190E3F-F985-3F5A-55F0-6EB953FC7C2D}"/>
+                <a16:creationId xmlns:a16="http://schemas.microsoft.com/office/drawing/2014/main" id="{9F8CDF08-8A63-C802-5C6E-A0550B077200}"/>
               </a:ext>
             </a:extLst>
           </p:cNvPr>
@@ -5745,14 +5986,14 @@
           <a:p>
             <a:pPr algn="ctr"/>
             <a:r>
-              <a:rPr lang="ru-RU" sz="4000" dirty="0">
+              <a:rPr lang="en-US" sz="4000" dirty="0">
                 <a:solidFill>
                   <a:schemeClr val="tx1"/>
                 </a:solidFill>
                 <a:latin typeface="Arial" panose="020B0604020202020204" pitchFamily="34" charset="0"/>
                 <a:cs typeface="Arial" panose="020B0604020202020204" pitchFamily="34" charset="0"/>
               </a:rPr>
-              <a:t>Алгоритм поиска пути бота</a:t>
+              <a:t>Environment Query System</a:t>
             </a:r>
             <a:endParaRPr lang="en-BY" sz="4000" dirty="0">
               <a:solidFill>
@@ -5766,10 +6007,10 @@
       </p:sp>
       <p:pic>
         <p:nvPicPr>
-          <p:cNvPr id="7170" name="Picture 2">
-            <a:extLst>
-              <a:ext uri="{FF2B5EF4-FFF2-40B4-BE49-F238E27FC236}">
-                <a16:creationId xmlns:a16="http://schemas.microsoft.com/office/drawing/2014/main" id="{861C8372-2634-CE82-283C-44096994D883}"/>
+          <p:cNvPr id="3074" name="Picture 2">
+            <a:extLst>
+              <a:ext uri="{FF2B5EF4-FFF2-40B4-BE49-F238E27FC236}">
+                <a16:creationId xmlns:a16="http://schemas.microsoft.com/office/drawing/2014/main" id="{AF427783-165C-EFB9-937E-73A8AF2E061C}"/>
               </a:ext>
             </a:extLst>
           </p:cNvPr>
@@ -5795,8 +6036,8 @@
         </p:blipFill>
         <p:spPr bwMode="auto">
           <a:xfrm>
-            <a:off x="2453481" y="2324894"/>
-            <a:ext cx="7285037" cy="3385674"/>
+            <a:off x="1736725" y="2259805"/>
+            <a:ext cx="8552198" cy="3712369"/>
           </a:xfrm>
           <a:prstGeom prst="rect">
             <a:avLst/>
@@ -5816,7 +6057,7 @@
     </p:spTree>
     <p:extLst>
       <p:ext uri="{BB962C8B-B14F-4D97-AF65-F5344CB8AC3E}">
-        <p14:creationId xmlns:p14="http://schemas.microsoft.com/office/powerpoint/2010/main" val="2779280530"/>
+        <p14:creationId xmlns:p14="http://schemas.microsoft.com/office/powerpoint/2010/main" val="52326738"/>
       </p:ext>
     </p:extLst>
   </p:cSld>
@@ -5848,7 +6089,7 @@
           <p:cNvPr id="2" name="Title 1">
             <a:extLst>
               <a:ext uri="{FF2B5EF4-FFF2-40B4-BE49-F238E27FC236}">
-                <a16:creationId xmlns:a16="http://schemas.microsoft.com/office/drawing/2014/main" id="{9F8CDF08-8A63-C802-5C6E-A0550B077200}"/>
+                <a16:creationId xmlns:a16="http://schemas.microsoft.com/office/drawing/2014/main" id="{B02A1517-F48F-6CD2-61B7-077DE338F04F}"/>
               </a:ext>
             </a:extLst>
           </p:cNvPr>
@@ -5868,14 +6109,24 @@
           <a:p>
             <a:pPr algn="ctr"/>
             <a:r>
-              <a:rPr lang="en-US" sz="4000" dirty="0">
+              <a:rPr lang="ru-RU" sz="4000" dirty="0">
                 <a:solidFill>
                   <a:schemeClr val="tx1"/>
                 </a:solidFill>
                 <a:latin typeface="Arial" panose="020B0604020202020204" pitchFamily="34" charset="0"/>
                 <a:cs typeface="Arial" panose="020B0604020202020204" pitchFamily="34" charset="0"/>
               </a:rPr>
-              <a:t>Environment Query System</a:t>
+              <a:t>Работа с </a:t>
+            </a:r>
+            <a:r>
+              <a:rPr lang="en-US" sz="4000" dirty="0" err="1">
+                <a:solidFill>
+                  <a:schemeClr val="tx1"/>
+                </a:solidFill>
+                <a:latin typeface="Arial" panose="020B0604020202020204" pitchFamily="34" charset="0"/>
+                <a:cs typeface="Arial" panose="020B0604020202020204" pitchFamily="34" charset="0"/>
+              </a:rPr>
+              <a:t>BluePrint</a:t>
             </a:r>
             <a:endParaRPr lang="en-BY" sz="4000" dirty="0">
               <a:solidFill>
@@ -5889,10 +6140,10 @@
       </p:sp>
       <p:pic>
         <p:nvPicPr>
-          <p:cNvPr id="3074" name="Picture 2">
-            <a:extLst>
-              <a:ext uri="{FF2B5EF4-FFF2-40B4-BE49-F238E27FC236}">
-                <a16:creationId xmlns:a16="http://schemas.microsoft.com/office/drawing/2014/main" id="{AF427783-165C-EFB9-937E-73A8AF2E061C}"/>
+          <p:cNvPr id="4098" name="Picture 2">
+            <a:extLst>
+              <a:ext uri="{FF2B5EF4-FFF2-40B4-BE49-F238E27FC236}">
+                <a16:creationId xmlns:a16="http://schemas.microsoft.com/office/drawing/2014/main" id="{8263BC25-E78B-7597-B6F7-94F1110194AD}"/>
               </a:ext>
             </a:extLst>
           </p:cNvPr>
@@ -5918,8 +6169,8 @@
         </p:blipFill>
         <p:spPr bwMode="auto">
           <a:xfrm>
-            <a:off x="1736725" y="2259805"/>
-            <a:ext cx="8552198" cy="3712369"/>
+            <a:off x="2693988" y="1982666"/>
+            <a:ext cx="6092825" cy="4329628"/>
           </a:xfrm>
           <a:prstGeom prst="rect">
             <a:avLst/>
@@ -5939,7 +6190,7 @@
     </p:spTree>
     <p:extLst>
       <p:ext uri="{BB962C8B-B14F-4D97-AF65-F5344CB8AC3E}">
-        <p14:creationId xmlns:p14="http://schemas.microsoft.com/office/powerpoint/2010/main" val="52326738"/>
+        <p14:creationId xmlns:p14="http://schemas.microsoft.com/office/powerpoint/2010/main" val="2118992380"/>
       </p:ext>
     </p:extLst>
   </p:cSld>
@@ -5971,7 +6222,7 @@
           <p:cNvPr id="2" name="Title 1">
             <a:extLst>
               <a:ext uri="{FF2B5EF4-FFF2-40B4-BE49-F238E27FC236}">
-                <a16:creationId xmlns:a16="http://schemas.microsoft.com/office/drawing/2014/main" id="{B02A1517-F48F-6CD2-61B7-077DE338F04F}"/>
+                <a16:creationId xmlns:a16="http://schemas.microsoft.com/office/drawing/2014/main" id="{9696A63F-5246-C5EC-BDA7-E2924FEF9F62}"/>
               </a:ext>
             </a:extLst>
           </p:cNvPr>
@@ -5998,17 +6249,7 @@
                 <a:latin typeface="Arial" panose="020B0604020202020204" pitchFamily="34" charset="0"/>
                 <a:cs typeface="Arial" panose="020B0604020202020204" pitchFamily="34" charset="0"/>
               </a:rPr>
-              <a:t>Работа с </a:t>
-            </a:r>
-            <a:r>
-              <a:rPr lang="en-US" sz="4000" dirty="0" err="1">
-                <a:solidFill>
-                  <a:schemeClr val="tx1"/>
-                </a:solidFill>
-                <a:latin typeface="Arial" panose="020B0604020202020204" pitchFamily="34" charset="0"/>
-                <a:cs typeface="Arial" panose="020B0604020202020204" pitchFamily="34" charset="0"/>
-              </a:rPr>
-              <a:t>BluePrint</a:t>
+              <a:t>Объекты, реализующие алгоритмы ИИ</a:t>
             </a:r>
             <a:endParaRPr lang="en-BY" sz="4000" dirty="0">
               <a:solidFill>
@@ -6022,10 +6263,10 @@
       </p:sp>
       <p:pic>
         <p:nvPicPr>
-          <p:cNvPr id="4098" name="Picture 2">
-            <a:extLst>
-              <a:ext uri="{FF2B5EF4-FFF2-40B4-BE49-F238E27FC236}">
-                <a16:creationId xmlns:a16="http://schemas.microsoft.com/office/drawing/2014/main" id="{8263BC25-E78B-7597-B6F7-94F1110194AD}"/>
+          <p:cNvPr id="5122" name="Picture 2">
+            <a:extLst>
+              <a:ext uri="{FF2B5EF4-FFF2-40B4-BE49-F238E27FC236}">
+                <a16:creationId xmlns:a16="http://schemas.microsoft.com/office/drawing/2014/main" id="{BC587200-598B-8B5D-D9C9-33279D0193F8}"/>
               </a:ext>
             </a:extLst>
           </p:cNvPr>
@@ -6051,8 +6292,8 @@
         </p:blipFill>
         <p:spPr bwMode="auto">
           <a:xfrm>
-            <a:off x="2693988" y="1982666"/>
-            <a:ext cx="6092825" cy="4329628"/>
+            <a:off x="1290637" y="2353468"/>
+            <a:ext cx="2509837" cy="2509837"/>
           </a:xfrm>
           <a:prstGeom prst="rect">
             <a:avLst/>
@@ -6069,10 +6310,233 @@
           </a:extLst>
         </p:spPr>
       </p:pic>
+      <p:sp>
+        <p:nvSpPr>
+          <p:cNvPr id="4" name="TextBox 3">
+            <a:extLst>
+              <a:ext uri="{FF2B5EF4-FFF2-40B4-BE49-F238E27FC236}">
+                <a16:creationId xmlns:a16="http://schemas.microsoft.com/office/drawing/2014/main" id="{BDCFD952-2E8E-7066-C70A-5337DD3CB5D8}"/>
+              </a:ext>
+            </a:extLst>
+          </p:cNvPr>
+          <p:cNvSpPr txBox="1"/>
+          <p:nvPr/>
+        </p:nvSpPr>
+        <p:spPr>
+          <a:xfrm>
+            <a:off x="2043112" y="4956193"/>
+            <a:ext cx="1057275" cy="400110"/>
+          </a:xfrm>
+          <a:prstGeom prst="rect">
+            <a:avLst/>
+          </a:prstGeom>
+          <a:noFill/>
+        </p:spPr>
+        <p:txBody>
+          <a:bodyPr wrap="square" rtlCol="0">
+            <a:spAutoFit/>
+          </a:bodyPr>
+          <a:lstStyle/>
+          <a:p>
+            <a:pPr algn="ctr"/>
+            <a:r>
+              <a:rPr lang="ru-RU" sz="2000" dirty="0">
+                <a:latin typeface="Arial" panose="020B0604020202020204" pitchFamily="34" charset="0"/>
+                <a:cs typeface="Arial" panose="020B0604020202020204" pitchFamily="34" charset="0"/>
+              </a:rPr>
+              <a:t>Дрон</a:t>
+            </a:r>
+            <a:endParaRPr lang="en-BY" sz="2000" dirty="0">
+              <a:latin typeface="Arial" panose="020B0604020202020204" pitchFamily="34" charset="0"/>
+              <a:cs typeface="Arial" panose="020B0604020202020204" pitchFamily="34" charset="0"/>
+            </a:endParaRPr>
+          </a:p>
+        </p:txBody>
+      </p:sp>
+      <p:pic>
+        <p:nvPicPr>
+          <p:cNvPr id="5124" name="Picture 4">
+            <a:extLst>
+              <a:ext uri="{FF2B5EF4-FFF2-40B4-BE49-F238E27FC236}">
+                <a16:creationId xmlns:a16="http://schemas.microsoft.com/office/drawing/2014/main" id="{03E2773C-ABFA-703C-3438-06CA51028961}"/>
+              </a:ext>
+            </a:extLst>
+          </p:cNvPr>
+          <p:cNvPicPr>
+            <a:picLocks noChangeAspect="1" noChangeArrowheads="1"/>
+          </p:cNvPicPr>
+          <p:nvPr/>
+        </p:nvPicPr>
+        <p:blipFill>
+          <a:blip r:embed="rId3">
+            <a:extLst>
+              <a:ext uri="{28A0092B-C50C-407E-A947-70E740481C1C}">
+                <a14:useLocalDpi xmlns:a14="http://schemas.microsoft.com/office/drawing/2010/main" val="0"/>
+              </a:ext>
+            </a:extLst>
+          </a:blip>
+          <a:srcRect/>
+          <a:stretch>
+            <a:fillRect/>
+          </a:stretch>
+        </p:blipFill>
+        <p:spPr bwMode="auto">
+          <a:xfrm>
+            <a:off x="4534218" y="2294889"/>
+            <a:ext cx="2638108" cy="2638108"/>
+          </a:xfrm>
+          <a:prstGeom prst="rect">
+            <a:avLst/>
+          </a:prstGeom>
+          <a:noFill/>
+          <a:extLst>
+            <a:ext uri="{909E8E84-426E-40DD-AFC4-6F175D3DCCD1}">
+              <a14:hiddenFill xmlns:a14="http://schemas.microsoft.com/office/drawing/2010/main">
+                <a:solidFill>
+                  <a:srgbClr val="FFFFFF"/>
+                </a:solidFill>
+              </a14:hiddenFill>
+            </a:ext>
+          </a:extLst>
+        </p:spPr>
+      </p:pic>
+      <p:sp>
+        <p:nvSpPr>
+          <p:cNvPr id="7" name="TextBox 6">
+            <a:extLst>
+              <a:ext uri="{FF2B5EF4-FFF2-40B4-BE49-F238E27FC236}">
+                <a16:creationId xmlns:a16="http://schemas.microsoft.com/office/drawing/2014/main" id="{DC838798-EF1F-CB3C-E192-A4350CC1D645}"/>
+              </a:ext>
+            </a:extLst>
+          </p:cNvPr>
+          <p:cNvSpPr txBox="1"/>
+          <p:nvPr/>
+        </p:nvSpPr>
+        <p:spPr>
+          <a:xfrm>
+            <a:off x="5567362" y="4967306"/>
+            <a:ext cx="1057275" cy="400110"/>
+          </a:xfrm>
+          <a:prstGeom prst="rect">
+            <a:avLst/>
+          </a:prstGeom>
+          <a:noFill/>
+        </p:spPr>
+        <p:txBody>
+          <a:bodyPr wrap="square" rtlCol="0">
+            <a:spAutoFit/>
+          </a:bodyPr>
+          <a:lstStyle/>
+          <a:p>
+            <a:pPr algn="ctr"/>
+            <a:r>
+              <a:rPr lang="ru-RU" sz="2000" dirty="0">
+                <a:latin typeface="Arial" panose="020B0604020202020204" pitchFamily="34" charset="0"/>
+                <a:cs typeface="Arial" panose="020B0604020202020204" pitchFamily="34" charset="0"/>
+              </a:rPr>
+              <a:t>Бот</a:t>
+            </a:r>
+            <a:endParaRPr lang="en-BY" sz="2000" dirty="0">
+              <a:latin typeface="Arial" panose="020B0604020202020204" pitchFamily="34" charset="0"/>
+              <a:cs typeface="Arial" panose="020B0604020202020204" pitchFamily="34" charset="0"/>
+            </a:endParaRPr>
+          </a:p>
+        </p:txBody>
+      </p:sp>
+      <p:pic>
+        <p:nvPicPr>
+          <p:cNvPr id="5126" name="Picture 6">
+            <a:extLst>
+              <a:ext uri="{FF2B5EF4-FFF2-40B4-BE49-F238E27FC236}">
+                <a16:creationId xmlns:a16="http://schemas.microsoft.com/office/drawing/2014/main" id="{5D5A8552-FB2C-08B3-D6EF-751AA75ED4DB}"/>
+              </a:ext>
+            </a:extLst>
+          </p:cNvPr>
+          <p:cNvPicPr>
+            <a:picLocks noChangeAspect="1" noChangeArrowheads="1"/>
+          </p:cNvPicPr>
+          <p:nvPr/>
+        </p:nvPicPr>
+        <p:blipFill>
+          <a:blip r:embed="rId4">
+            <a:extLst>
+              <a:ext uri="{28A0092B-C50C-407E-A947-70E740481C1C}">
+                <a14:useLocalDpi xmlns:a14="http://schemas.microsoft.com/office/drawing/2010/main" val="0"/>
+              </a:ext>
+            </a:extLst>
+          </a:blip>
+          <a:srcRect/>
+          <a:stretch>
+            <a:fillRect/>
+          </a:stretch>
+        </p:blipFill>
+        <p:spPr bwMode="auto">
+          <a:xfrm>
+            <a:off x="7957980" y="2353468"/>
+            <a:ext cx="2638108" cy="2638108"/>
+          </a:xfrm>
+          <a:prstGeom prst="rect">
+            <a:avLst/>
+          </a:prstGeom>
+          <a:noFill/>
+          <a:extLst>
+            <a:ext uri="{909E8E84-426E-40DD-AFC4-6F175D3DCCD1}">
+              <a14:hiddenFill xmlns:a14="http://schemas.microsoft.com/office/drawing/2010/main">
+                <a:solidFill>
+                  <a:srgbClr val="FFFFFF"/>
+                </a:solidFill>
+              </a14:hiddenFill>
+            </a:ext>
+          </a:extLst>
+        </p:spPr>
+      </p:pic>
+      <p:sp>
+        <p:nvSpPr>
+          <p:cNvPr id="9" name="TextBox 8">
+            <a:extLst>
+              <a:ext uri="{FF2B5EF4-FFF2-40B4-BE49-F238E27FC236}">
+                <a16:creationId xmlns:a16="http://schemas.microsoft.com/office/drawing/2014/main" id="{1BC761AE-CE4F-323A-BFD8-F9D07AFA2FB1}"/>
+              </a:ext>
+            </a:extLst>
+          </p:cNvPr>
+          <p:cNvSpPr txBox="1"/>
+          <p:nvPr/>
+        </p:nvSpPr>
+        <p:spPr>
+          <a:xfrm>
+            <a:off x="8715373" y="4967306"/>
+            <a:ext cx="1409701" cy="400110"/>
+          </a:xfrm>
+          <a:prstGeom prst="rect">
+            <a:avLst/>
+          </a:prstGeom>
+          <a:noFill/>
+        </p:spPr>
+        <p:txBody>
+          <a:bodyPr wrap="square" rtlCol="0">
+            <a:spAutoFit/>
+          </a:bodyPr>
+          <a:lstStyle/>
+          <a:p>
+            <a:pPr algn="ctr"/>
+            <a:r>
+              <a:rPr lang="ru-RU" sz="2000" dirty="0">
+                <a:latin typeface="Arial" panose="020B0604020202020204" pitchFamily="34" charset="0"/>
+                <a:cs typeface="Arial" panose="020B0604020202020204" pitchFamily="34" charset="0"/>
+              </a:rPr>
+              <a:t>Турель</a:t>
+            </a:r>
+            <a:endParaRPr lang="en-BY" sz="2000" dirty="0">
+              <a:latin typeface="Arial" panose="020B0604020202020204" pitchFamily="34" charset="0"/>
+              <a:cs typeface="Arial" panose="020B0604020202020204" pitchFamily="34" charset="0"/>
+            </a:endParaRPr>
+          </a:p>
+        </p:txBody>
+      </p:sp>
     </p:spTree>
     <p:extLst>
       <p:ext uri="{BB962C8B-B14F-4D97-AF65-F5344CB8AC3E}">
-        <p14:creationId xmlns:p14="http://schemas.microsoft.com/office/powerpoint/2010/main" val="2118992380"/>
+        <p14:creationId xmlns:p14="http://schemas.microsoft.com/office/powerpoint/2010/main" val="3316884869"/>
       </p:ext>
     </p:extLst>
   </p:cSld>
@@ -6101,10 +6565,10 @@
       </p:grpSpPr>
       <p:sp>
         <p:nvSpPr>
-          <p:cNvPr id="2" name="Title 1">
-            <a:extLst>
-              <a:ext uri="{FF2B5EF4-FFF2-40B4-BE49-F238E27FC236}">
-                <a16:creationId xmlns:a16="http://schemas.microsoft.com/office/drawing/2014/main" id="{9696A63F-5246-C5EC-BDA7-E2924FEF9F62}"/>
+          <p:cNvPr id="2" name="Заголовок 1">
+            <a:extLst>
+              <a:ext uri="{FF2B5EF4-FFF2-40B4-BE49-F238E27FC236}">
+                <a16:creationId xmlns:a16="http://schemas.microsoft.com/office/drawing/2014/main" id="{8DA9E0EF-1DFF-3E1A-1569-C85FB1788190}"/>
               </a:ext>
             </a:extLst>
           </p:cNvPr>
@@ -6115,310 +6579,62 @@
             <p:ph type="title"/>
           </p:nvPr>
         </p:nvSpPr>
-        <p:spPr/>
+        <p:spPr>
+          <a:xfrm>
+            <a:off x="3723120" y="1053780"/>
+            <a:ext cx="4575551" cy="592141"/>
+          </a:xfrm>
+        </p:spPr>
         <p:txBody>
           <a:bodyPr>
-            <a:normAutofit/>
+            <a:normAutofit fontScale="90000"/>
           </a:bodyPr>
           <a:lstStyle/>
           <a:p>
-            <a:pPr algn="ctr"/>
             <a:r>
               <a:rPr lang="ru-RU" sz="4000" dirty="0">
-                <a:solidFill>
-                  <a:schemeClr val="tx1"/>
-                </a:solidFill>
                 <a:latin typeface="Arial" panose="020B0604020202020204" pitchFamily="34" charset="0"/>
                 <a:cs typeface="Arial" panose="020B0604020202020204" pitchFamily="34" charset="0"/>
               </a:rPr>
-              <a:t>Объекты, реализующие алгоритмы ИИ</a:t>
-            </a:r>
-            <a:endParaRPr lang="en-BY" sz="4000" dirty="0">
-              <a:solidFill>
-                <a:schemeClr val="tx1"/>
-              </a:solidFill>
-              <a:latin typeface="Arial" panose="020B0604020202020204" pitchFamily="34" charset="0"/>
-              <a:cs typeface="Arial" panose="020B0604020202020204" pitchFamily="34" charset="0"/>
-            </a:endParaRPr>
+              <a:t>Деревья поведения</a:t>
+            </a:r>
           </a:p>
         </p:txBody>
       </p:sp>
       <p:pic>
         <p:nvPicPr>
-          <p:cNvPr id="5122" name="Picture 2">
-            <a:extLst>
-              <a:ext uri="{FF2B5EF4-FFF2-40B4-BE49-F238E27FC236}">
-                <a16:creationId xmlns:a16="http://schemas.microsoft.com/office/drawing/2014/main" id="{BC587200-598B-8B5D-D9C9-33279D0193F8}"/>
+          <p:cNvPr id="5" name="Рисунок 4">
+            <a:extLst>
+              <a:ext uri="{FF2B5EF4-FFF2-40B4-BE49-F238E27FC236}">
+                <a16:creationId xmlns:a16="http://schemas.microsoft.com/office/drawing/2014/main" id="{583F99B6-21AB-FCBB-3D71-6E6D995FFF5D}"/>
               </a:ext>
             </a:extLst>
           </p:cNvPr>
           <p:cNvPicPr>
-            <a:picLocks noGrp="1" noChangeAspect="1" noChangeArrowheads="1"/>
+            <a:picLocks noChangeAspect="1"/>
           </p:cNvPicPr>
-          <p:nvPr>
-            <p:ph idx="1"/>
-          </p:nvPr>
+          <p:nvPr/>
         </p:nvPicPr>
         <p:blipFill>
-          <a:blip r:embed="rId2">
-            <a:extLst>
-              <a:ext uri="{28A0092B-C50C-407E-A947-70E740481C1C}">
-                <a14:useLocalDpi xmlns:a14="http://schemas.microsoft.com/office/drawing/2010/main" val="0"/>
-              </a:ext>
-            </a:extLst>
-          </a:blip>
-          <a:srcRect/>
+          <a:blip r:embed="rId2"/>
           <a:stretch>
             <a:fillRect/>
           </a:stretch>
         </p:blipFill>
-        <p:spPr bwMode="auto">
-          <a:xfrm>
-            <a:off x="1290637" y="2353468"/>
-            <a:ext cx="2509837" cy="2509837"/>
+        <p:spPr>
+          <a:xfrm>
+            <a:off x="2824525" y="2062534"/>
+            <a:ext cx="6372742" cy="4218417"/>
           </a:xfrm>
           <a:prstGeom prst="rect">
             <a:avLst/>
           </a:prstGeom>
-          <a:noFill/>
-          <a:extLst>
-            <a:ext uri="{909E8E84-426E-40DD-AFC4-6F175D3DCCD1}">
-              <a14:hiddenFill xmlns:a14="http://schemas.microsoft.com/office/drawing/2010/main">
-                <a:solidFill>
-                  <a:srgbClr val="FFFFFF"/>
-                </a:solidFill>
-              </a14:hiddenFill>
-            </a:ext>
-          </a:extLst>
         </p:spPr>
       </p:pic>
-      <p:sp>
-        <p:nvSpPr>
-          <p:cNvPr id="4" name="TextBox 3">
-            <a:extLst>
-              <a:ext uri="{FF2B5EF4-FFF2-40B4-BE49-F238E27FC236}">
-                <a16:creationId xmlns:a16="http://schemas.microsoft.com/office/drawing/2014/main" id="{BDCFD952-2E8E-7066-C70A-5337DD3CB5D8}"/>
-              </a:ext>
-            </a:extLst>
-          </p:cNvPr>
-          <p:cNvSpPr txBox="1"/>
-          <p:nvPr/>
-        </p:nvSpPr>
-        <p:spPr>
-          <a:xfrm>
-            <a:off x="2043112" y="4956193"/>
-            <a:ext cx="1057275" cy="400110"/>
-          </a:xfrm>
-          <a:prstGeom prst="rect">
-            <a:avLst/>
-          </a:prstGeom>
-          <a:noFill/>
-        </p:spPr>
-        <p:txBody>
-          <a:bodyPr wrap="square" rtlCol="0">
-            <a:spAutoFit/>
-          </a:bodyPr>
-          <a:lstStyle/>
-          <a:p>
-            <a:pPr algn="ctr"/>
-            <a:r>
-              <a:rPr lang="ru-RU" sz="2000" dirty="0">
-                <a:latin typeface="Arial" panose="020B0604020202020204" pitchFamily="34" charset="0"/>
-                <a:cs typeface="Arial" panose="020B0604020202020204" pitchFamily="34" charset="0"/>
-              </a:rPr>
-              <a:t>Дрон</a:t>
-            </a:r>
-            <a:endParaRPr lang="en-BY" sz="2000" dirty="0">
-              <a:latin typeface="Arial" panose="020B0604020202020204" pitchFamily="34" charset="0"/>
-              <a:cs typeface="Arial" panose="020B0604020202020204" pitchFamily="34" charset="0"/>
-            </a:endParaRPr>
-          </a:p>
-        </p:txBody>
-      </p:sp>
-      <p:pic>
-        <p:nvPicPr>
-          <p:cNvPr id="5124" name="Picture 4">
-            <a:extLst>
-              <a:ext uri="{FF2B5EF4-FFF2-40B4-BE49-F238E27FC236}">
-                <a16:creationId xmlns:a16="http://schemas.microsoft.com/office/drawing/2014/main" id="{03E2773C-ABFA-703C-3438-06CA51028961}"/>
-              </a:ext>
-            </a:extLst>
-          </p:cNvPr>
-          <p:cNvPicPr>
-            <a:picLocks noChangeAspect="1" noChangeArrowheads="1"/>
-          </p:cNvPicPr>
-          <p:nvPr/>
-        </p:nvPicPr>
-        <p:blipFill>
-          <a:blip r:embed="rId3">
-            <a:extLst>
-              <a:ext uri="{28A0092B-C50C-407E-A947-70E740481C1C}">
-                <a14:useLocalDpi xmlns:a14="http://schemas.microsoft.com/office/drawing/2010/main" val="0"/>
-              </a:ext>
-            </a:extLst>
-          </a:blip>
-          <a:srcRect/>
-          <a:stretch>
-            <a:fillRect/>
-          </a:stretch>
-        </p:blipFill>
-        <p:spPr bwMode="auto">
-          <a:xfrm>
-            <a:off x="4534218" y="2294889"/>
-            <a:ext cx="2638108" cy="2638108"/>
-          </a:xfrm>
-          <a:prstGeom prst="rect">
-            <a:avLst/>
-          </a:prstGeom>
-          <a:noFill/>
-          <a:extLst>
-            <a:ext uri="{909E8E84-426E-40DD-AFC4-6F175D3DCCD1}">
-              <a14:hiddenFill xmlns:a14="http://schemas.microsoft.com/office/drawing/2010/main">
-                <a:solidFill>
-                  <a:srgbClr val="FFFFFF"/>
-                </a:solidFill>
-              </a14:hiddenFill>
-            </a:ext>
-          </a:extLst>
-        </p:spPr>
-      </p:pic>
-      <p:sp>
-        <p:nvSpPr>
-          <p:cNvPr id="7" name="TextBox 6">
-            <a:extLst>
-              <a:ext uri="{FF2B5EF4-FFF2-40B4-BE49-F238E27FC236}">
-                <a16:creationId xmlns:a16="http://schemas.microsoft.com/office/drawing/2014/main" id="{DC838798-EF1F-CB3C-E192-A4350CC1D645}"/>
-              </a:ext>
-            </a:extLst>
-          </p:cNvPr>
-          <p:cNvSpPr txBox="1"/>
-          <p:nvPr/>
-        </p:nvSpPr>
-        <p:spPr>
-          <a:xfrm>
-            <a:off x="5567362" y="4967306"/>
-            <a:ext cx="1057275" cy="400110"/>
-          </a:xfrm>
-          <a:prstGeom prst="rect">
-            <a:avLst/>
-          </a:prstGeom>
-          <a:noFill/>
-        </p:spPr>
-        <p:txBody>
-          <a:bodyPr wrap="square" rtlCol="0">
-            <a:spAutoFit/>
-          </a:bodyPr>
-          <a:lstStyle/>
-          <a:p>
-            <a:pPr algn="ctr"/>
-            <a:r>
-              <a:rPr lang="ru-RU" sz="2000" dirty="0">
-                <a:latin typeface="Arial" panose="020B0604020202020204" pitchFamily="34" charset="0"/>
-                <a:cs typeface="Arial" panose="020B0604020202020204" pitchFamily="34" charset="0"/>
-              </a:rPr>
-              <a:t>Бот</a:t>
-            </a:r>
-            <a:endParaRPr lang="en-BY" sz="2000" dirty="0">
-              <a:latin typeface="Arial" panose="020B0604020202020204" pitchFamily="34" charset="0"/>
-              <a:cs typeface="Arial" panose="020B0604020202020204" pitchFamily="34" charset="0"/>
-            </a:endParaRPr>
-          </a:p>
-        </p:txBody>
-      </p:sp>
-      <p:pic>
-        <p:nvPicPr>
-          <p:cNvPr id="5126" name="Picture 6">
-            <a:extLst>
-              <a:ext uri="{FF2B5EF4-FFF2-40B4-BE49-F238E27FC236}">
-                <a16:creationId xmlns:a16="http://schemas.microsoft.com/office/drawing/2014/main" id="{5D5A8552-FB2C-08B3-D6EF-751AA75ED4DB}"/>
-              </a:ext>
-            </a:extLst>
-          </p:cNvPr>
-          <p:cNvPicPr>
-            <a:picLocks noChangeAspect="1" noChangeArrowheads="1"/>
-          </p:cNvPicPr>
-          <p:nvPr/>
-        </p:nvPicPr>
-        <p:blipFill>
-          <a:blip r:embed="rId4">
-            <a:extLst>
-              <a:ext uri="{28A0092B-C50C-407E-A947-70E740481C1C}">
-                <a14:useLocalDpi xmlns:a14="http://schemas.microsoft.com/office/drawing/2010/main" val="0"/>
-              </a:ext>
-            </a:extLst>
-          </a:blip>
-          <a:srcRect/>
-          <a:stretch>
-            <a:fillRect/>
-          </a:stretch>
-        </p:blipFill>
-        <p:spPr bwMode="auto">
-          <a:xfrm>
-            <a:off x="7957980" y="2353468"/>
-            <a:ext cx="2638108" cy="2638108"/>
-          </a:xfrm>
-          <a:prstGeom prst="rect">
-            <a:avLst/>
-          </a:prstGeom>
-          <a:noFill/>
-          <a:extLst>
-            <a:ext uri="{909E8E84-426E-40DD-AFC4-6F175D3DCCD1}">
-              <a14:hiddenFill xmlns:a14="http://schemas.microsoft.com/office/drawing/2010/main">
-                <a:solidFill>
-                  <a:srgbClr val="FFFFFF"/>
-                </a:solidFill>
-              </a14:hiddenFill>
-            </a:ext>
-          </a:extLst>
-        </p:spPr>
-      </p:pic>
-      <p:sp>
-        <p:nvSpPr>
-          <p:cNvPr id="9" name="TextBox 8">
-            <a:extLst>
-              <a:ext uri="{FF2B5EF4-FFF2-40B4-BE49-F238E27FC236}">
-                <a16:creationId xmlns:a16="http://schemas.microsoft.com/office/drawing/2014/main" id="{1BC761AE-CE4F-323A-BFD8-F9D07AFA2FB1}"/>
-              </a:ext>
-            </a:extLst>
-          </p:cNvPr>
-          <p:cNvSpPr txBox="1"/>
-          <p:nvPr/>
-        </p:nvSpPr>
-        <p:spPr>
-          <a:xfrm>
-            <a:off x="8715373" y="4967306"/>
-            <a:ext cx="1409701" cy="400110"/>
-          </a:xfrm>
-          <a:prstGeom prst="rect">
-            <a:avLst/>
-          </a:prstGeom>
-          <a:noFill/>
-        </p:spPr>
-        <p:txBody>
-          <a:bodyPr wrap="square" rtlCol="0">
-            <a:spAutoFit/>
-          </a:bodyPr>
-          <a:lstStyle/>
-          <a:p>
-            <a:pPr algn="ctr"/>
-            <a:r>
-              <a:rPr lang="ru-RU" sz="2000" dirty="0">
-                <a:latin typeface="Arial" panose="020B0604020202020204" pitchFamily="34" charset="0"/>
-                <a:cs typeface="Arial" panose="020B0604020202020204" pitchFamily="34" charset="0"/>
-              </a:rPr>
-              <a:t>Турель</a:t>
-            </a:r>
-            <a:endParaRPr lang="en-BY" sz="2000" dirty="0">
-              <a:latin typeface="Arial" panose="020B0604020202020204" pitchFamily="34" charset="0"/>
-              <a:cs typeface="Arial" panose="020B0604020202020204" pitchFamily="34" charset="0"/>
-            </a:endParaRPr>
-          </a:p>
-        </p:txBody>
-      </p:sp>
     </p:spTree>
     <p:extLst>
       <p:ext uri="{BB962C8B-B14F-4D97-AF65-F5344CB8AC3E}">
-        <p14:creationId xmlns:p14="http://schemas.microsoft.com/office/powerpoint/2010/main" val="3316884869"/>
+        <p14:creationId xmlns:p14="http://schemas.microsoft.com/office/powerpoint/2010/main" val="256624174"/>
       </p:ext>
     </p:extLst>
   </p:cSld>

--- a/My_own/Презентация.pptx
+++ b/My_own/Презентация.pptx
@@ -366,7 +366,7 @@
           <a:p>
             <a:fld id="{9184DA70-C731-4C70-880D-CCD4705E623C}" type="datetime1">
               <a:rPr lang="en-US" smtClean="0"/>
-              <a:t>5/25/2022</a:t>
+              <a:t>5/26/2022</a:t>
             </a:fld>
             <a:endParaRPr lang="en-US" dirty="0"/>
           </a:p>
@@ -554,7 +554,7 @@
           <a:p>
             <a:fld id="{B612A279-0833-481D-8C56-F67FD0AC6C50}" type="datetime1">
               <a:rPr lang="en-US" smtClean="0"/>
-              <a:t>5/25/2022</a:t>
+              <a:t>5/26/2022</a:t>
             </a:fld>
             <a:endParaRPr lang="en-US" dirty="0"/>
           </a:p>
@@ -796,7 +796,7 @@
           <a:p>
             <a:fld id="{6587DA83-5663-4C9C-B9AA-0B40A3DAFF81}" type="datetime1">
               <a:rPr lang="en-US" smtClean="0"/>
-              <a:t>5/25/2022</a:t>
+              <a:t>5/26/2022</a:t>
             </a:fld>
             <a:endParaRPr lang="en-US" dirty="0"/>
           </a:p>
@@ -984,7 +984,7 @@
           <a:p>
             <a:fld id="{4BE1D723-8F53-4F53-90B0-1982A396982E}" type="datetime1">
               <a:rPr lang="en-US" smtClean="0"/>
-              <a:t>5/25/2022</a:t>
+              <a:t>5/26/2022</a:t>
             </a:fld>
             <a:endParaRPr lang="en-US" dirty="0"/>
           </a:p>
@@ -1357,7 +1357,7 @@
           <a:p>
             <a:fld id="{97669AF7-7BEB-44E4-9852-375E34362B5B}" type="datetime1">
               <a:rPr lang="en-US" smtClean="0"/>
-              <a:t>5/25/2022</a:t>
+              <a:t>5/26/2022</a:t>
             </a:fld>
             <a:endParaRPr lang="en-US" dirty="0"/>
           </a:p>
@@ -1612,7 +1612,7 @@
           <a:p>
             <a:fld id="{BAAAC38D-0552-4C82-B593-E6124DFADBE2}" type="datetime1">
               <a:rPr lang="en-US" smtClean="0"/>
-              <a:t>5/25/2022</a:t>
+              <a:t>5/26/2022</a:t>
             </a:fld>
             <a:endParaRPr lang="en-US" dirty="0"/>
           </a:p>
@@ -2009,7 +2009,7 @@
           <a:p>
             <a:fld id="{D9DF0F1C-5577-4ACB-BB62-DF8F3C494C7E}" type="datetime1">
               <a:rPr lang="en-US" smtClean="0"/>
-              <a:t>5/25/2022</a:t>
+              <a:t>5/26/2022</a:t>
             </a:fld>
             <a:endParaRPr lang="en-US" dirty="0"/>
           </a:p>
@@ -2145,7 +2145,7 @@
           <a:p>
             <a:fld id="{1775B394-D9F9-4F0C-B15D-605F45CB9E9F}" type="datetime1">
               <a:rPr lang="en-US" smtClean="0"/>
-              <a:t>5/25/2022</a:t>
+              <a:t>5/26/2022</a:t>
             </a:fld>
             <a:endParaRPr lang="en-US" dirty="0"/>
           </a:p>
@@ -2302,7 +2302,7 @@
           <a:p>
             <a:fld id="{39667345-2558-425A-8533-9BFDBCE15005}" type="datetime1">
               <a:rPr lang="en-US" smtClean="0"/>
-              <a:t>5/25/2022</a:t>
+              <a:t>5/26/2022</a:t>
             </a:fld>
             <a:endParaRPr lang="en-US" dirty="0"/>
           </a:p>
@@ -2631,7 +2631,7 @@
           <a:p>
             <a:fld id="{92BEA474-078D-4E9B-9B14-09A87B19DC46}" type="datetime1">
               <a:rPr lang="en-US" smtClean="0"/>
-              <a:t>5/25/2022</a:t>
+              <a:t>5/26/2022</a:t>
             </a:fld>
             <a:endParaRPr lang="en-US" dirty="0"/>
           </a:p>
@@ -2981,7 +2981,7 @@
           <a:p>
             <a:fld id="{4907D986-8816-4272-A432-0437A28A9828}" type="datetime1">
               <a:rPr lang="en-US" smtClean="0"/>
-              <a:t>5/25/2022</a:t>
+              <a:t>5/26/2022</a:t>
             </a:fld>
             <a:endParaRPr lang="en-US" dirty="0"/>
           </a:p>
@@ -3242,7 +3242,7 @@
           <a:p>
             <a:fld id="{62D6E202-B606-4609-B914-27C9371A1F6D}" type="datetime1">
               <a:rPr lang="en-US" smtClean="0"/>
-              <a:t>5/25/2022</a:t>
+              <a:t>5/26/2022</a:t>
             </a:fld>
             <a:endParaRPr lang="en-US" dirty="0"/>
           </a:p>
@@ -3851,8 +3851,8 @@
         </p:nvSpPr>
         <p:spPr>
           <a:xfrm>
-            <a:off x="648929" y="639097"/>
-            <a:ext cx="6253317" cy="3686015"/>
+            <a:off x="648929" y="1447061"/>
+            <a:ext cx="6253317" cy="2878051"/>
           </a:xfrm>
         </p:spPr>
         <p:txBody>
@@ -3861,8 +3861,9 @@
           </a:bodyPr>
           <a:lstStyle/>
           <a:p>
-            <a:r>
-              <a:rPr lang="ru-RU" sz="5000" dirty="0">
+            <a:pPr algn="ctr"/>
+            <a:r>
+              <a:rPr lang="ru-RU" sz="4000" dirty="0">
                 <a:solidFill>
                   <a:schemeClr val="tx1"/>
                 </a:solidFill>
@@ -3872,7 +3873,7 @@
               <a:t>Компьютерная игра на базе </a:t>
             </a:r>
             <a:r>
-              <a:rPr lang="en-US" sz="5000" dirty="0">
+              <a:rPr lang="en-US" sz="4000" dirty="0">
                 <a:solidFill>
                   <a:schemeClr val="tx1"/>
                 </a:solidFill>
@@ -3882,7 +3883,7 @@
               <a:t>Unreal Engine 4. </a:t>
             </a:r>
             <a:r>
-              <a:rPr lang="ru-RU" sz="5000" dirty="0">
+              <a:rPr lang="ru-RU" sz="4000" dirty="0">
                 <a:solidFill>
                   <a:schemeClr val="tx1"/>
                 </a:solidFill>
@@ -3891,7 +3892,7 @@
               </a:rPr>
               <a:t>Алгоритмы искусственного интеллекта.</a:t>
             </a:r>
-            <a:endParaRPr lang="en-BY" sz="5000" dirty="0">
+            <a:endParaRPr lang="en-BY" sz="4000" dirty="0">
               <a:solidFill>
                 <a:schemeClr val="tx1"/>
               </a:solidFill>
@@ -4128,6 +4129,9 @@
             </a:pPr>
             <a:r>
               <a:rPr lang="ru-RU" sz="2000" dirty="0">
+                <a:solidFill>
+                  <a:schemeClr val="tx1"/>
+                </a:solidFill>
                 <a:latin typeface="Arial" panose="020B0604020202020204" pitchFamily="34" charset="0"/>
                 <a:cs typeface="Arial" panose="020B0604020202020204" pitchFamily="34" charset="0"/>
               </a:rPr>
@@ -4141,6 +4145,9 @@
             </a:pPr>
             <a:r>
               <a:rPr lang="ru-RU" sz="2000" dirty="0">
+                <a:solidFill>
+                  <a:schemeClr val="tx1"/>
+                </a:solidFill>
                 <a:latin typeface="Arial" panose="020B0604020202020204" pitchFamily="34" charset="0"/>
                 <a:cs typeface="Arial" panose="020B0604020202020204" pitchFamily="34" charset="0"/>
               </a:rPr>
@@ -4154,6 +4161,9 @@
             </a:pPr>
             <a:r>
               <a:rPr lang="ru-RU" sz="2000" dirty="0">
+                <a:solidFill>
+                  <a:schemeClr val="tx1"/>
+                </a:solidFill>
                 <a:latin typeface="Arial" panose="020B0604020202020204" pitchFamily="34" charset="0"/>
                 <a:cs typeface="Arial" panose="020B0604020202020204" pitchFamily="34" charset="0"/>
               </a:rPr>
@@ -4167,6 +4177,9 @@
             </a:pPr>
             <a:r>
               <a:rPr lang="ru-RU" sz="2000" dirty="0">
+                <a:solidFill>
+                  <a:schemeClr val="tx1"/>
+                </a:solidFill>
                 <a:latin typeface="Arial" panose="020B0604020202020204" pitchFamily="34" charset="0"/>
                 <a:cs typeface="Arial" panose="020B0604020202020204" pitchFamily="34" charset="0"/>
               </a:rPr>
@@ -4180,6 +4193,9 @@
             </a:pPr>
             <a:r>
               <a:rPr lang="ru-RU" sz="2000" dirty="0">
+                <a:solidFill>
+                  <a:schemeClr val="tx1"/>
+                </a:solidFill>
                 <a:latin typeface="Arial" panose="020B0604020202020204" pitchFamily="34" charset="0"/>
                 <a:cs typeface="Arial" panose="020B0604020202020204" pitchFamily="34" charset="0"/>
               </a:rPr>
@@ -4187,6 +4203,9 @@
             </a:r>
             <a:r>
               <a:rPr lang="en-US" sz="2000" dirty="0" err="1">
+                <a:solidFill>
+                  <a:schemeClr val="tx1"/>
+                </a:solidFill>
                 <a:latin typeface="Arial" panose="020B0604020202020204" pitchFamily="34" charset="0"/>
                 <a:cs typeface="Arial" panose="020B0604020202020204" pitchFamily="34" charset="0"/>
               </a:rPr>
@@ -4194,6 +4213,9 @@
             </a:r>
             <a:r>
               <a:rPr lang="ru-RU" sz="2000" dirty="0">
+                <a:solidFill>
+                  <a:schemeClr val="tx1"/>
+                </a:solidFill>
                 <a:latin typeface="Arial" panose="020B0604020202020204" pitchFamily="34" charset="0"/>
                 <a:cs typeface="Arial" panose="020B0604020202020204" pitchFamily="34" charset="0"/>
               </a:rPr>
@@ -4925,7 +4947,7 @@
               <a:buNone/>
             </a:pPr>
             <a:r>
-              <a:rPr lang="ru-RU" sz="1800" dirty="0">
+              <a:rPr lang="ru-RU" dirty="0">
                 <a:solidFill>
                   <a:schemeClr val="tx1"/>
                 </a:solidFill>
@@ -4950,7 +4972,7 @@
               <a:buChar char="v"/>
             </a:pPr>
             <a:r>
-              <a:rPr lang="ru-RU" sz="1800" dirty="0">
+              <a:rPr lang="ru-RU" dirty="0">
                 <a:solidFill>
                   <a:schemeClr val="tx1"/>
                 </a:solidFill>
@@ -4960,7 +4982,7 @@
               <a:t>Создание игрового искусственного интеллекта развлекательного типа на основе игрового движка </a:t>
             </a:r>
             <a:r>
-              <a:rPr lang="en-US" sz="1800" dirty="0">
+              <a:rPr lang="en-US" dirty="0">
                 <a:solidFill>
                   <a:schemeClr val="tx1"/>
                 </a:solidFill>
@@ -4969,7 +4991,7 @@
               </a:rPr>
               <a:t>Unreal Engine 4</a:t>
             </a:r>
-            <a:endParaRPr lang="ru-RU" sz="1800" dirty="0">
+            <a:endParaRPr lang="ru-RU" dirty="0">
               <a:solidFill>
                 <a:schemeClr val="tx1"/>
               </a:solidFill>
@@ -4989,7 +5011,7 @@
                 </a:schemeClr>
               </a:buClr>
             </a:pPr>
-            <a:endParaRPr lang="en-US" sz="1800" dirty="0">
+            <a:endParaRPr lang="en-US" dirty="0">
               <a:solidFill>
                 <a:schemeClr val="tx1"/>
               </a:solidFill>
@@ -5005,7 +5027,7 @@
               <a:buNone/>
             </a:pPr>
             <a:r>
-              <a:rPr lang="ru-RU" sz="1800" dirty="0">
+              <a:rPr lang="ru-RU" dirty="0">
                 <a:solidFill>
                   <a:schemeClr val="tx1"/>
                 </a:solidFill>
@@ -5030,7 +5052,7 @@
               <a:buChar char="v"/>
             </a:pPr>
             <a:r>
-              <a:rPr lang="ru-RU" sz="1800" dirty="0">
+              <a:rPr lang="ru-RU" dirty="0">
                 <a:solidFill>
                   <a:schemeClr val="tx1"/>
                 </a:solidFill>
@@ -5055,7 +5077,7 @@
               <a:buChar char="v"/>
             </a:pPr>
             <a:r>
-              <a:rPr lang="ru-RU" sz="1800" dirty="0">
+              <a:rPr lang="ru-RU" dirty="0">
                 <a:solidFill>
                   <a:schemeClr val="tx1"/>
                 </a:solidFill>
@@ -5080,7 +5102,7 @@
               <a:buChar char="v"/>
             </a:pPr>
             <a:r>
-              <a:rPr lang="ru-RU" sz="1800" dirty="0">
+              <a:rPr lang="ru-RU" dirty="0">
                 <a:solidFill>
                   <a:schemeClr val="tx1"/>
                 </a:solidFill>
@@ -5105,7 +5127,7 @@
               <a:buChar char="v"/>
             </a:pPr>
             <a:r>
-              <a:rPr lang="ru-RU" sz="1800" dirty="0">
+              <a:rPr lang="ru-RU" dirty="0">
                 <a:solidFill>
                   <a:schemeClr val="tx1"/>
                 </a:solidFill>
@@ -5130,7 +5152,7 @@
               <a:buChar char="v"/>
             </a:pPr>
             <a:r>
-              <a:rPr lang="ru-RU" sz="1800" dirty="0">
+              <a:rPr lang="ru-RU" dirty="0">
                 <a:solidFill>
                   <a:schemeClr val="tx1"/>
                 </a:solidFill>
@@ -5139,7 +5161,7 @@
               </a:rPr>
               <a:t>Создание простейшей системы частиц</a:t>
             </a:r>
-            <a:endParaRPr lang="en-US" sz="1800" dirty="0">
+            <a:endParaRPr lang="en-US" dirty="0">
               <a:solidFill>
                 <a:schemeClr val="tx1"/>
               </a:solidFill>
@@ -6582,12 +6604,12 @@
         <p:spPr>
           <a:xfrm>
             <a:off x="3723120" y="1053780"/>
-            <a:ext cx="4575551" cy="592141"/>
+            <a:ext cx="5474147" cy="592141"/>
           </a:xfrm>
         </p:spPr>
         <p:txBody>
           <a:bodyPr>
-            <a:normAutofit fontScale="90000"/>
+            <a:noAutofit/>
           </a:bodyPr>
           <a:lstStyle/>
           <a:p>

--- a/My_own/Презентация.pptx
+++ b/My_own/Презентация.pptx
@@ -366,7 +366,7 @@
           <a:p>
             <a:fld id="{9184DA70-C731-4C70-880D-CCD4705E623C}" type="datetime1">
               <a:rPr lang="en-US" smtClean="0"/>
-              <a:t>5/26/2022</a:t>
+              <a:t>5/27/2022</a:t>
             </a:fld>
             <a:endParaRPr lang="en-US" dirty="0"/>
           </a:p>
@@ -554,7 +554,7 @@
           <a:p>
             <a:fld id="{B612A279-0833-481D-8C56-F67FD0AC6C50}" type="datetime1">
               <a:rPr lang="en-US" smtClean="0"/>
-              <a:t>5/26/2022</a:t>
+              <a:t>5/27/2022</a:t>
             </a:fld>
             <a:endParaRPr lang="en-US" dirty="0"/>
           </a:p>
@@ -796,7 +796,7 @@
           <a:p>
             <a:fld id="{6587DA83-5663-4C9C-B9AA-0B40A3DAFF81}" type="datetime1">
               <a:rPr lang="en-US" smtClean="0"/>
-              <a:t>5/26/2022</a:t>
+              <a:t>5/27/2022</a:t>
             </a:fld>
             <a:endParaRPr lang="en-US" dirty="0"/>
           </a:p>
@@ -984,7 +984,7 @@
           <a:p>
             <a:fld id="{4BE1D723-8F53-4F53-90B0-1982A396982E}" type="datetime1">
               <a:rPr lang="en-US" smtClean="0"/>
-              <a:t>5/26/2022</a:t>
+              <a:t>5/27/2022</a:t>
             </a:fld>
             <a:endParaRPr lang="en-US" dirty="0"/>
           </a:p>
@@ -1357,7 +1357,7 @@
           <a:p>
             <a:fld id="{97669AF7-7BEB-44E4-9852-375E34362B5B}" type="datetime1">
               <a:rPr lang="en-US" smtClean="0"/>
-              <a:t>5/26/2022</a:t>
+              <a:t>5/27/2022</a:t>
             </a:fld>
             <a:endParaRPr lang="en-US" dirty="0"/>
           </a:p>
@@ -1612,7 +1612,7 @@
           <a:p>
             <a:fld id="{BAAAC38D-0552-4C82-B593-E6124DFADBE2}" type="datetime1">
               <a:rPr lang="en-US" smtClean="0"/>
-              <a:t>5/26/2022</a:t>
+              <a:t>5/27/2022</a:t>
             </a:fld>
             <a:endParaRPr lang="en-US" dirty="0"/>
           </a:p>
@@ -2009,7 +2009,7 @@
           <a:p>
             <a:fld id="{D9DF0F1C-5577-4ACB-BB62-DF8F3C494C7E}" type="datetime1">
               <a:rPr lang="en-US" smtClean="0"/>
-              <a:t>5/26/2022</a:t>
+              <a:t>5/27/2022</a:t>
             </a:fld>
             <a:endParaRPr lang="en-US" dirty="0"/>
           </a:p>
@@ -2145,7 +2145,7 @@
           <a:p>
             <a:fld id="{1775B394-D9F9-4F0C-B15D-605F45CB9E9F}" type="datetime1">
               <a:rPr lang="en-US" smtClean="0"/>
-              <a:t>5/26/2022</a:t>
+              <a:t>5/27/2022</a:t>
             </a:fld>
             <a:endParaRPr lang="en-US" dirty="0"/>
           </a:p>
@@ -2302,7 +2302,7 @@
           <a:p>
             <a:fld id="{39667345-2558-425A-8533-9BFDBCE15005}" type="datetime1">
               <a:rPr lang="en-US" smtClean="0"/>
-              <a:t>5/26/2022</a:t>
+              <a:t>5/27/2022</a:t>
             </a:fld>
             <a:endParaRPr lang="en-US" dirty="0"/>
           </a:p>
@@ -2631,7 +2631,7 @@
           <a:p>
             <a:fld id="{92BEA474-078D-4E9B-9B14-09A87B19DC46}" type="datetime1">
               <a:rPr lang="en-US" smtClean="0"/>
-              <a:t>5/26/2022</a:t>
+              <a:t>5/27/2022</a:t>
             </a:fld>
             <a:endParaRPr lang="en-US" dirty="0"/>
           </a:p>
@@ -2981,7 +2981,7 @@
           <a:p>
             <a:fld id="{4907D986-8816-4272-A432-0437A28A9828}" type="datetime1">
               <a:rPr lang="en-US" smtClean="0"/>
-              <a:t>5/26/2022</a:t>
+              <a:t>5/27/2022</a:t>
             </a:fld>
             <a:endParaRPr lang="en-US" dirty="0"/>
           </a:p>
@@ -3242,7 +3242,7 @@
           <a:p>
             <a:fld id="{62D6E202-B606-4609-B914-27C9371A1F6D}" type="datetime1">
               <a:rPr lang="en-US" smtClean="0"/>
-              <a:t>5/26/2022</a:t>
+              <a:t>5/27/2022</a:t>
             </a:fld>
             <a:endParaRPr lang="en-US" dirty="0"/>
           </a:p>
@@ -3920,8 +3920,8 @@
         </p:nvSpPr>
         <p:spPr>
           <a:xfrm>
-            <a:off x="632899" y="4672739"/>
-            <a:ext cx="6269347" cy="1021498"/>
+            <a:off x="177553" y="4672739"/>
+            <a:ext cx="7466121" cy="1021498"/>
           </a:xfrm>
         </p:spPr>
         <p:txBody>
@@ -4927,7 +4927,7 @@
         <p:spPr>
           <a:xfrm>
             <a:off x="4225771" y="1582340"/>
-            <a:ext cx="7794594" cy="3693319"/>
+            <a:ext cx="7794594" cy="4401205"/>
           </a:xfrm>
           <a:prstGeom prst="rect">
             <a:avLst/>
@@ -4947,7 +4947,7 @@
               <a:buNone/>
             </a:pPr>
             <a:r>
-              <a:rPr lang="ru-RU" dirty="0">
+              <a:rPr lang="ru-RU" sz="2000" dirty="0">
                 <a:solidFill>
                   <a:schemeClr val="tx1"/>
                 </a:solidFill>
@@ -4972,7 +4972,7 @@
               <a:buChar char="v"/>
             </a:pPr>
             <a:r>
-              <a:rPr lang="ru-RU" dirty="0">
+              <a:rPr lang="ru-RU" sz="2000" dirty="0">
                 <a:solidFill>
                   <a:schemeClr val="tx1"/>
                 </a:solidFill>
@@ -4982,7 +4982,7 @@
               <a:t>Создание игрового искусственного интеллекта развлекательного типа на основе игрового движка </a:t>
             </a:r>
             <a:r>
-              <a:rPr lang="en-US" dirty="0">
+              <a:rPr lang="en-US" sz="2000" dirty="0">
                 <a:solidFill>
                   <a:schemeClr val="tx1"/>
                 </a:solidFill>
@@ -4991,7 +4991,7 @@
               </a:rPr>
               <a:t>Unreal Engine 4</a:t>
             </a:r>
-            <a:endParaRPr lang="ru-RU" dirty="0">
+            <a:endParaRPr lang="ru-RU" sz="2000" dirty="0">
               <a:solidFill>
                 <a:schemeClr val="tx1"/>
               </a:solidFill>
@@ -5011,7 +5011,7 @@
                 </a:schemeClr>
               </a:buClr>
             </a:pPr>
-            <a:endParaRPr lang="en-US" dirty="0">
+            <a:endParaRPr lang="en-US" sz="2000" dirty="0">
               <a:solidFill>
                 <a:schemeClr val="tx1"/>
               </a:solidFill>
@@ -5027,7 +5027,7 @@
               <a:buNone/>
             </a:pPr>
             <a:r>
-              <a:rPr lang="ru-RU" dirty="0">
+              <a:rPr lang="ru-RU" sz="2000" dirty="0">
                 <a:solidFill>
                   <a:schemeClr val="tx1"/>
                 </a:solidFill>
@@ -5052,7 +5052,7 @@
               <a:buChar char="v"/>
             </a:pPr>
             <a:r>
-              <a:rPr lang="ru-RU" dirty="0">
+              <a:rPr lang="ru-RU" sz="2000" dirty="0">
                 <a:solidFill>
                   <a:schemeClr val="tx1"/>
                 </a:solidFill>
@@ -5077,7 +5077,7 @@
               <a:buChar char="v"/>
             </a:pPr>
             <a:r>
-              <a:rPr lang="ru-RU" dirty="0">
+              <a:rPr lang="ru-RU" sz="2000" dirty="0">
                 <a:solidFill>
                   <a:schemeClr val="tx1"/>
                 </a:solidFill>
@@ -5102,7 +5102,7 @@
               <a:buChar char="v"/>
             </a:pPr>
             <a:r>
-              <a:rPr lang="ru-RU" dirty="0">
+              <a:rPr lang="ru-RU" sz="2000" dirty="0">
                 <a:solidFill>
                   <a:schemeClr val="tx1"/>
                 </a:solidFill>
@@ -5127,7 +5127,7 @@
               <a:buChar char="v"/>
             </a:pPr>
             <a:r>
-              <a:rPr lang="ru-RU" dirty="0">
+              <a:rPr lang="ru-RU" sz="2000" dirty="0">
                 <a:solidFill>
                   <a:schemeClr val="tx1"/>
                 </a:solidFill>
@@ -5152,7 +5152,7 @@
               <a:buChar char="v"/>
             </a:pPr>
             <a:r>
-              <a:rPr lang="ru-RU" dirty="0">
+              <a:rPr lang="ru-RU" sz="2000" dirty="0">
                 <a:solidFill>
                   <a:schemeClr val="tx1"/>
                 </a:solidFill>
@@ -5161,7 +5161,7 @@
               </a:rPr>
               <a:t>Создание простейшей системы частиц</a:t>
             </a:r>
-            <a:endParaRPr lang="en-US" dirty="0">
+            <a:endParaRPr lang="en-US" sz="2000" dirty="0">
               <a:solidFill>
                 <a:schemeClr val="tx1"/>
               </a:solidFill>
@@ -5173,7 +5173,7 @@
             <a:pPr marL="0" indent="0">
               <a:buNone/>
             </a:pPr>
-            <a:endParaRPr lang="ru-RU" sz="1800" dirty="0">
+            <a:endParaRPr lang="ru-RU" sz="2000" dirty="0">
               <a:solidFill>
                 <a:schemeClr val="tx1"/>
               </a:solidFill>
@@ -5185,7 +5185,7 @@
             <a:pPr marL="0" indent="0">
               <a:buNone/>
             </a:pPr>
-            <a:endParaRPr lang="ru-RU" sz="1800" dirty="0">
+            <a:endParaRPr lang="ru-RU" sz="2000" dirty="0">
               <a:solidFill>
                 <a:schemeClr val="tx1"/>
               </a:solidFill>
@@ -5197,7 +5197,7 @@
             <a:pPr marL="0" indent="0">
               <a:buNone/>
             </a:pPr>
-            <a:endParaRPr lang="en-BY" sz="1800" dirty="0">
+            <a:endParaRPr lang="en-BY" sz="2000" dirty="0">
               <a:solidFill>
                 <a:schemeClr val="tx1"/>
               </a:solidFill>
@@ -5364,8 +5364,8 @@
         </p:blipFill>
         <p:spPr bwMode="auto">
           <a:xfrm>
-            <a:off x="1251746" y="2165167"/>
-            <a:ext cx="3854203" cy="3854203"/>
+            <a:off x="1081680" y="1979554"/>
+            <a:ext cx="4603622" cy="4603622"/>
           </a:xfrm>
           <a:prstGeom prst="rect">
             <a:avLst/>
@@ -5458,8 +5458,8 @@
         </p:blipFill>
         <p:spPr bwMode="auto">
           <a:xfrm>
-            <a:off x="9812559" y="3591556"/>
-            <a:ext cx="755102" cy="848765"/>
+            <a:off x="9812558" y="2477423"/>
+            <a:ext cx="1177395" cy="1323439"/>
           </a:xfrm>
           <a:prstGeom prst="rect">
             <a:avLst/>
@@ -5505,8 +5505,8 @@
         </p:blipFill>
         <p:spPr bwMode="auto">
           <a:xfrm>
-            <a:off x="7434267" y="5036480"/>
-            <a:ext cx="812561" cy="885759"/>
+            <a:off x="7434267" y="4055365"/>
+            <a:ext cx="1266988" cy="1381122"/>
           </a:xfrm>
           <a:prstGeom prst="rect">
             <a:avLst/>
@@ -5552,8 +5552,8 @@
         </p:blipFill>
         <p:spPr bwMode="auto">
           <a:xfrm>
-            <a:off x="7434267" y="2952097"/>
-            <a:ext cx="953806" cy="953806"/>
+            <a:off x="7434267" y="2418679"/>
+            <a:ext cx="1487224" cy="1487224"/>
           </a:xfrm>
           <a:prstGeom prst="rect">
             <a:avLst/>
@@ -5599,8 +5599,8 @@
         </p:blipFill>
         <p:spPr bwMode="auto">
           <a:xfrm>
-            <a:off x="10011748" y="4893527"/>
-            <a:ext cx="911849" cy="911849"/>
+            <a:off x="9734185" y="4057556"/>
+            <a:ext cx="1421803" cy="1421803"/>
           </a:xfrm>
           <a:prstGeom prst="rect">
             <a:avLst/>
